--- a/usereval.pptx
+++ b/usereval.pptx
@@ -2966,414 +2966,1648 @@
           <a:chExt cx="0" cy="0"/>
         </a:xfrm>
       </p:grpSpPr>
+      <p:sp>
+        <p:nvSpPr>
+          <p:cNvPr id="76" name="Rounded Rectangle 75"/>
+          <p:cNvSpPr/>
+          <p:nvPr/>
+        </p:nvSpPr>
+        <p:spPr>
+          <a:xfrm>
+            <a:off x="-55699" y="4444464"/>
+            <a:ext cx="13789152" cy="466344"/>
+          </a:xfrm>
+          <a:prstGeom prst="roundRect">
+            <a:avLst/>
+          </a:prstGeom>
+          <a:noFill/>
+          <a:ln w="63500">
+            <a:noFill/>
+            <a:prstDash val="sysDash"/>
+          </a:ln>
+        </p:spPr>
+        <p:style>
+          <a:lnRef idx="2">
+            <a:schemeClr val="accent1">
+              <a:shade val="50000"/>
+            </a:schemeClr>
+          </a:lnRef>
+          <a:fillRef idx="1">
+            <a:schemeClr val="accent1"/>
+          </a:fillRef>
+          <a:effectRef idx="0">
+            <a:schemeClr val="accent1"/>
+          </a:effectRef>
+          <a:fontRef idx="minor">
+            <a:schemeClr val="lt1"/>
+          </a:fontRef>
+        </p:style>
+        <p:txBody>
+          <a:bodyPr rtlCol="0" anchor="ctr"/>
+          <a:lstStyle/>
+          <a:p>
+            <a:pPr algn="ctr"/>
+            <a:r>
+              <a:rPr lang="en-US" sz="4000" dirty="0">
+                <a:solidFill>
+                  <a:schemeClr val="tx1"/>
+                </a:solidFill>
+              </a:rPr>
+              <a:t>Hessian based visualizations perform better than  DV rendering</a:t>
+            </a:r>
+          </a:p>
+        </p:txBody>
+      </p:sp>
+      <p:sp>
+        <p:nvSpPr>
+          <p:cNvPr id="77" name="Rounded Rectangle 76"/>
+          <p:cNvSpPr/>
+          <p:nvPr/>
+        </p:nvSpPr>
+        <p:spPr>
+          <a:xfrm>
+            <a:off x="-55699" y="14431642"/>
+            <a:ext cx="13880369" cy="1042416"/>
+          </a:xfrm>
+          <a:prstGeom prst="roundRect">
+            <a:avLst/>
+          </a:prstGeom>
+          <a:noFill/>
+          <a:ln w="63500">
+            <a:noFill/>
+            <a:prstDash val="sysDash"/>
+          </a:ln>
+        </p:spPr>
+        <p:style>
+          <a:lnRef idx="2">
+            <a:schemeClr val="accent1">
+              <a:shade val="50000"/>
+            </a:schemeClr>
+          </a:lnRef>
+          <a:fillRef idx="1">
+            <a:schemeClr val="accent1"/>
+          </a:fillRef>
+          <a:effectRef idx="0">
+            <a:schemeClr val="accent1"/>
+          </a:effectRef>
+          <a:fontRef idx="minor">
+            <a:schemeClr val="lt1"/>
+          </a:fontRef>
+        </p:style>
+        <p:txBody>
+          <a:bodyPr rtlCol="0" anchor="ctr"/>
+          <a:lstStyle/>
+          <a:p>
+            <a:pPr algn="ctr"/>
+            <a:r>
+              <a:rPr lang="en-US" sz="4000" dirty="0">
+                <a:solidFill>
+                  <a:schemeClr val="tx1"/>
+                </a:solidFill>
+              </a:rPr>
+              <a:t>Meshes generated from MetaTracts provide better spatial context than volume rendering</a:t>
+            </a:r>
+          </a:p>
+        </p:txBody>
+      </p:sp>
+      <p:sp>
+        <p:nvSpPr>
+          <p:cNvPr id="78" name="Rounded Rectangle 77"/>
+          <p:cNvSpPr/>
+          <p:nvPr/>
+        </p:nvSpPr>
+        <p:spPr>
+          <a:xfrm>
+            <a:off x="-50167" y="6370177"/>
+            <a:ext cx="13830004" cy="469324"/>
+          </a:xfrm>
+          <a:prstGeom prst="roundRect">
+            <a:avLst/>
+          </a:prstGeom>
+          <a:noFill/>
+          <a:ln w="63500">
+            <a:noFill/>
+            <a:prstDash val="sysDash"/>
+          </a:ln>
+        </p:spPr>
+        <p:style>
+          <a:lnRef idx="2">
+            <a:schemeClr val="accent1">
+              <a:shade val="50000"/>
+            </a:schemeClr>
+          </a:lnRef>
+          <a:fillRef idx="1">
+            <a:schemeClr val="accent1"/>
+          </a:fillRef>
+          <a:effectRef idx="0">
+            <a:schemeClr val="accent1"/>
+          </a:effectRef>
+          <a:fontRef idx="minor">
+            <a:schemeClr val="lt1"/>
+          </a:fontRef>
+        </p:style>
+        <p:txBody>
+          <a:bodyPr rtlCol="0" anchor="ctr"/>
+          <a:lstStyle/>
+          <a:p>
+            <a:pPr algn="ctr"/>
+            <a:r>
+              <a:rPr lang="en-US" sz="4000" dirty="0">
+                <a:solidFill>
+                  <a:schemeClr val="tx1"/>
+                </a:solidFill>
+              </a:rPr>
+              <a:t>MetaTracts visualizations perform better than DV rendering</a:t>
+            </a:r>
+          </a:p>
+        </p:txBody>
+      </p:sp>
+      <p:sp>
+        <p:nvSpPr>
+          <p:cNvPr id="79" name="Rounded Rectangle 78"/>
+          <p:cNvSpPr/>
+          <p:nvPr/>
+        </p:nvSpPr>
+        <p:spPr>
+          <a:xfrm>
+            <a:off x="-55699" y="7364788"/>
+            <a:ext cx="13789118" cy="1040469"/>
+          </a:xfrm>
+          <a:prstGeom prst="roundRect">
+            <a:avLst/>
+          </a:prstGeom>
+          <a:noFill/>
+          <a:ln w="63500">
+            <a:noFill/>
+            <a:prstDash val="sysDash"/>
+          </a:ln>
+        </p:spPr>
+        <p:style>
+          <a:lnRef idx="2">
+            <a:schemeClr val="accent1">
+              <a:shade val="50000"/>
+            </a:schemeClr>
+          </a:lnRef>
+          <a:fillRef idx="1">
+            <a:schemeClr val="accent1"/>
+          </a:fillRef>
+          <a:effectRef idx="0">
+            <a:schemeClr val="accent1"/>
+          </a:effectRef>
+          <a:fontRef idx="minor">
+            <a:schemeClr val="lt1"/>
+          </a:fontRef>
+        </p:style>
+        <p:txBody>
+          <a:bodyPr rtlCol="0" anchor="ctr"/>
+          <a:lstStyle/>
+          <a:p>
+            <a:pPr algn="ctr"/>
+            <a:r>
+              <a:rPr lang="en-US" sz="4000" dirty="0">
+                <a:solidFill>
+                  <a:schemeClr val="tx1"/>
+                </a:solidFill>
+              </a:rPr>
+              <a:t>MetaTracts 2D slices visualizations perform better than 2D slices of original data</a:t>
+            </a:r>
+          </a:p>
+        </p:txBody>
+      </p:sp>
+      <p:sp>
+        <p:nvSpPr>
+          <p:cNvPr id="80" name="Rounded Rectangle 79"/>
+          <p:cNvSpPr/>
+          <p:nvPr/>
+        </p:nvSpPr>
+        <p:spPr>
+          <a:xfrm>
+            <a:off x="-55699" y="12901043"/>
+            <a:ext cx="13938293" cy="1042416"/>
+          </a:xfrm>
+          <a:prstGeom prst="roundRect">
+            <a:avLst/>
+          </a:prstGeom>
+          <a:noFill/>
+          <a:ln w="63500">
+            <a:noFill/>
+            <a:prstDash val="sysDash"/>
+          </a:ln>
+        </p:spPr>
+        <p:style>
+          <a:lnRef idx="2">
+            <a:schemeClr val="accent1">
+              <a:shade val="50000"/>
+            </a:schemeClr>
+          </a:lnRef>
+          <a:fillRef idx="1">
+            <a:schemeClr val="accent1"/>
+          </a:fillRef>
+          <a:effectRef idx="0">
+            <a:schemeClr val="accent1"/>
+          </a:effectRef>
+          <a:fontRef idx="minor">
+            <a:schemeClr val="lt1"/>
+          </a:fontRef>
+        </p:style>
+        <p:txBody>
+          <a:bodyPr rtlCol="0" anchor="ctr"/>
+          <a:lstStyle/>
+          <a:p>
+            <a:pPr algn="ctr"/>
+            <a:r>
+              <a:rPr lang="en-US" sz="4000" dirty="0">
+                <a:solidFill>
+                  <a:schemeClr val="tx1"/>
+                </a:solidFill>
+              </a:rPr>
+              <a:t>MetaTracts visualizations perform better in finding largest, smallest and similar looking bundles than DV rendering</a:t>
+            </a:r>
+          </a:p>
+        </p:txBody>
+      </p:sp>
+      <p:pic>
+        <p:nvPicPr>
+          <p:cNvPr id="81" name="Picture 80"/>
+          <p:cNvPicPr>
+            <a:picLocks noChangeAspect="1"/>
+          </p:cNvPicPr>
+          <p:nvPr/>
+        </p:nvPicPr>
+        <p:blipFill rotWithShape="1">
+          <a:blip r:embed="rId2" cstate="print">
+            <a:extLst>
+              <a:ext uri="{28A0092B-C50C-407E-A947-70E740481C1C}">
+                <a14:useLocalDpi xmlns:a14="http://schemas.microsoft.com/office/drawing/2010/main" val="0"/>
+              </a:ext>
+            </a:extLst>
+          </a:blip>
+          <a:srcRect l="5285" t="-80" b="-80"/>
+          <a:stretch/>
+        </p:blipFill>
+        <p:spPr>
+          <a:xfrm>
+            <a:off x="17031544" y="11366942"/>
+            <a:ext cx="1202703" cy="1097280"/>
+          </a:xfrm>
+          <a:prstGeom prst="rect">
+            <a:avLst/>
+          </a:prstGeom>
+        </p:spPr>
+      </p:pic>
+      <p:pic>
+        <p:nvPicPr>
+          <p:cNvPr id="82" name="Picture 81"/>
+          <p:cNvPicPr>
+            <a:picLocks noChangeAspect="1"/>
+          </p:cNvPicPr>
+          <p:nvPr/>
+        </p:nvPicPr>
+        <p:blipFill rotWithShape="1">
+          <a:blip r:embed="rId3" cstate="print">
+            <a:extLst>
+              <a:ext uri="{28A0092B-C50C-407E-A947-70E740481C1C}">
+                <a14:useLocalDpi xmlns:a14="http://schemas.microsoft.com/office/drawing/2010/main" val="0"/>
+              </a:ext>
+            </a:extLst>
+          </a:blip>
+          <a:srcRect l="7819" r="2811"/>
+          <a:stretch/>
+        </p:blipFill>
+        <p:spPr>
+          <a:xfrm>
+            <a:off x="17070663" y="8906816"/>
+            <a:ext cx="1124465" cy="1097280"/>
+          </a:xfrm>
+          <a:prstGeom prst="rect">
+            <a:avLst/>
+          </a:prstGeom>
+        </p:spPr>
+      </p:pic>
+      <p:pic>
+        <p:nvPicPr>
+          <p:cNvPr id="83" name="Picture 82"/>
+          <p:cNvPicPr>
+            <a:picLocks noChangeAspect="1"/>
+          </p:cNvPicPr>
+          <p:nvPr/>
+        </p:nvPicPr>
+        <p:blipFill rotWithShape="1">
+          <a:blip r:embed="rId3" cstate="print">
+            <a:extLst>
+              <a:ext uri="{28A0092B-C50C-407E-A947-70E740481C1C}">
+                <a14:useLocalDpi xmlns:a14="http://schemas.microsoft.com/office/drawing/2010/main" val="0"/>
+              </a:ext>
+            </a:extLst>
+          </a:blip>
+          <a:srcRect l="6838" r="-1175"/>
+          <a:stretch/>
+        </p:blipFill>
+        <p:spPr>
+          <a:xfrm>
+            <a:off x="17039409" y="10120877"/>
+            <a:ext cx="1186972" cy="1097280"/>
+          </a:xfrm>
+          <a:prstGeom prst="rect">
+            <a:avLst/>
+          </a:prstGeom>
+        </p:spPr>
+      </p:pic>
+      <p:cxnSp>
+        <p:nvCxnSpPr>
+          <p:cNvPr id="84" name="Straight Connector 83"/>
+          <p:cNvCxnSpPr/>
+          <p:nvPr/>
+        </p:nvCxnSpPr>
+        <p:spPr>
+          <a:xfrm>
+            <a:off x="13661833" y="856207"/>
+            <a:ext cx="71586" cy="14809342"/>
+          </a:xfrm>
+          <a:prstGeom prst="line">
+            <a:avLst/>
+          </a:prstGeom>
+          <a:ln w="47625">
+            <a:solidFill>
+              <a:schemeClr val="tx1"/>
+            </a:solidFill>
+            <a:prstDash val="solid"/>
+          </a:ln>
+        </p:spPr>
+        <p:style>
+          <a:lnRef idx="1">
+            <a:schemeClr val="accent1"/>
+          </a:lnRef>
+          <a:fillRef idx="0">
+            <a:schemeClr val="accent1"/>
+          </a:fillRef>
+          <a:effectRef idx="0">
+            <a:schemeClr val="accent1"/>
+          </a:effectRef>
+          <a:fontRef idx="minor">
+            <a:schemeClr val="tx1"/>
+          </a:fontRef>
+        </p:style>
+      </p:cxnSp>
+      <p:sp>
+        <p:nvSpPr>
+          <p:cNvPr id="85" name="Rounded Rectangle 84"/>
+          <p:cNvSpPr/>
+          <p:nvPr/>
+        </p:nvSpPr>
+        <p:spPr>
+          <a:xfrm>
+            <a:off x="-55699" y="2139065"/>
+            <a:ext cx="13789118" cy="466344"/>
+          </a:xfrm>
+          <a:prstGeom prst="roundRect">
+            <a:avLst/>
+          </a:prstGeom>
+          <a:noFill/>
+          <a:ln w="63500">
+            <a:noFill/>
+            <a:prstDash val="sysDash"/>
+          </a:ln>
+        </p:spPr>
+        <p:style>
+          <a:lnRef idx="2">
+            <a:schemeClr val="accent1">
+              <a:shade val="50000"/>
+            </a:schemeClr>
+          </a:lnRef>
+          <a:fillRef idx="1">
+            <a:schemeClr val="accent1"/>
+          </a:fillRef>
+          <a:effectRef idx="0">
+            <a:schemeClr val="accent1"/>
+          </a:effectRef>
+          <a:fontRef idx="minor">
+            <a:schemeClr val="lt1"/>
+          </a:fontRef>
+        </p:style>
+        <p:txBody>
+          <a:bodyPr rtlCol="0" anchor="ctr"/>
+          <a:lstStyle/>
+          <a:p>
+            <a:pPr algn="ctr"/>
+            <a:r>
+              <a:rPr lang="en-US" sz="4000" dirty="0">
+                <a:solidFill>
+                  <a:schemeClr val="tx1"/>
+                </a:solidFill>
+              </a:rPr>
+              <a:t>Find number of fiber bundles from volume rendering of data set1</a:t>
+            </a:r>
+          </a:p>
+        </p:txBody>
+      </p:sp>
+      <p:pic>
+        <p:nvPicPr>
+          <p:cNvPr id="86" name="Picture 85"/>
+          <p:cNvPicPr>
+            <a:picLocks noChangeAspect="1"/>
+          </p:cNvPicPr>
+          <p:nvPr/>
+        </p:nvPicPr>
+        <p:blipFill rotWithShape="1">
+          <a:blip r:embed="rId4" cstate="print">
+            <a:extLst>
+              <a:ext uri="{28A0092B-C50C-407E-A947-70E740481C1C}">
+                <a14:useLocalDpi xmlns:a14="http://schemas.microsoft.com/office/drawing/2010/main" val="0"/>
+              </a:ext>
+            </a:extLst>
+          </a:blip>
+          <a:srcRect l="10770" t="2947" r="11464"/>
+          <a:stretch/>
+        </p:blipFill>
+        <p:spPr>
+          <a:xfrm>
+            <a:off x="17074631" y="1823597"/>
+            <a:ext cx="1116528" cy="1097280"/>
+          </a:xfrm>
+          <a:prstGeom prst="rect">
+            <a:avLst/>
+          </a:prstGeom>
+        </p:spPr>
+      </p:pic>
+      <p:sp>
+        <p:nvSpPr>
+          <p:cNvPr id="87" name="Rounded Rectangle 86"/>
+          <p:cNvSpPr/>
+          <p:nvPr/>
+        </p:nvSpPr>
+        <p:spPr>
+          <a:xfrm>
+            <a:off x="-55699" y="2997280"/>
+            <a:ext cx="13789152" cy="1042416"/>
+          </a:xfrm>
+          <a:prstGeom prst="roundRect">
+            <a:avLst/>
+          </a:prstGeom>
+          <a:noFill/>
+          <a:ln w="63500">
+            <a:noFill/>
+            <a:prstDash val="sysDash"/>
+          </a:ln>
+        </p:spPr>
+        <p:style>
+          <a:lnRef idx="2">
+            <a:schemeClr val="accent1">
+              <a:shade val="50000"/>
+            </a:schemeClr>
+          </a:lnRef>
+          <a:fillRef idx="1">
+            <a:schemeClr val="accent1"/>
+          </a:fillRef>
+          <a:effectRef idx="0">
+            <a:schemeClr val="accent1"/>
+          </a:effectRef>
+          <a:fontRef idx="minor">
+            <a:schemeClr val="lt1"/>
+          </a:fontRef>
+        </p:style>
+        <p:txBody>
+          <a:bodyPr rtlCol="0" anchor="ctr"/>
+          <a:lstStyle/>
+          <a:p>
+            <a:pPr algn="ctr"/>
+            <a:r>
+              <a:rPr lang="en-US" sz="4000" dirty="0">
+                <a:solidFill>
+                  <a:schemeClr val="tx1"/>
+                </a:solidFill>
+              </a:rPr>
+              <a:t>Find number of fiber bundles from the  color-mapped eigenvector of hessian matrix</a:t>
+            </a:r>
+          </a:p>
+        </p:txBody>
+      </p:sp>
+      <p:pic>
+        <p:nvPicPr>
+          <p:cNvPr id="88" name="Picture 87"/>
+          <p:cNvPicPr>
+            <a:picLocks noChangeAspect="1"/>
+          </p:cNvPicPr>
+          <p:nvPr/>
+        </p:nvPicPr>
+        <p:blipFill rotWithShape="1">
+          <a:blip r:embed="rId5" cstate="print">
+            <a:extLst>
+              <a:ext uri="{28A0092B-C50C-407E-A947-70E740481C1C}">
+                <a14:useLocalDpi xmlns:a14="http://schemas.microsoft.com/office/drawing/2010/main" val="0"/>
+              </a:ext>
+            </a:extLst>
+          </a:blip>
+          <a:srcRect l="9873" r="11267"/>
+          <a:stretch/>
+        </p:blipFill>
+        <p:spPr>
+          <a:xfrm>
+            <a:off x="17068590" y="2969848"/>
+            <a:ext cx="1128611" cy="1097280"/>
+          </a:xfrm>
+          <a:prstGeom prst="rect">
+            <a:avLst/>
+          </a:prstGeom>
+        </p:spPr>
+      </p:pic>
+      <p:sp>
+        <p:nvSpPr>
+          <p:cNvPr id="89" name="Rounded Rectangle 88"/>
+          <p:cNvSpPr/>
+          <p:nvPr/>
+        </p:nvSpPr>
+        <p:spPr>
+          <a:xfrm>
+            <a:off x="-55699" y="5473182"/>
+            <a:ext cx="13757512" cy="466344"/>
+          </a:xfrm>
+          <a:prstGeom prst="roundRect">
+            <a:avLst/>
+          </a:prstGeom>
+          <a:noFill/>
+          <a:ln w="63500">
+            <a:noFill/>
+            <a:prstDash val="sysDash"/>
+          </a:ln>
+        </p:spPr>
+        <p:style>
+          <a:lnRef idx="2">
+            <a:schemeClr val="accent1">
+              <a:shade val="50000"/>
+            </a:schemeClr>
+          </a:lnRef>
+          <a:fillRef idx="1">
+            <a:schemeClr val="accent1"/>
+          </a:fillRef>
+          <a:effectRef idx="0">
+            <a:schemeClr val="accent1"/>
+          </a:effectRef>
+          <a:fontRef idx="minor">
+            <a:schemeClr val="lt1"/>
+          </a:fontRef>
+        </p:style>
+        <p:txBody>
+          <a:bodyPr rtlCol="0" anchor="ctr"/>
+          <a:lstStyle/>
+          <a:p>
+            <a:pPr algn="ctr"/>
+            <a:r>
+              <a:rPr lang="en-US" sz="4000" dirty="0">
+                <a:solidFill>
+                  <a:schemeClr val="tx1"/>
+                </a:solidFill>
+              </a:rPr>
+              <a:t>Find number of fiber bundles from MetaTracts fiber bundles</a:t>
+            </a:r>
+          </a:p>
+        </p:txBody>
+      </p:sp>
+      <p:pic>
+        <p:nvPicPr>
+          <p:cNvPr id="90" name="Picture 89"/>
+          <p:cNvPicPr>
+            <a:picLocks noChangeAspect="1"/>
+          </p:cNvPicPr>
+          <p:nvPr/>
+        </p:nvPicPr>
+        <p:blipFill rotWithShape="1">
+          <a:blip r:embed="rId2" cstate="print">
+            <a:extLst>
+              <a:ext uri="{28A0092B-C50C-407E-A947-70E740481C1C}">
+                <a14:useLocalDpi xmlns:a14="http://schemas.microsoft.com/office/drawing/2010/main" val="0"/>
+              </a:ext>
+            </a:extLst>
+          </a:blip>
+          <a:srcRect t="-2875" b="-2875"/>
+          <a:stretch/>
+        </p:blipFill>
+        <p:spPr>
+          <a:xfrm>
+            <a:off x="17031544" y="5157714"/>
+            <a:ext cx="1202703" cy="1097280"/>
+          </a:xfrm>
+          <a:prstGeom prst="rect">
+            <a:avLst/>
+          </a:prstGeom>
+        </p:spPr>
+      </p:pic>
+      <p:sp>
+        <p:nvSpPr>
+          <p:cNvPr id="91" name="Rounded Rectangle 90"/>
+          <p:cNvSpPr/>
+          <p:nvPr/>
+        </p:nvSpPr>
+        <p:spPr>
+          <a:xfrm>
+            <a:off x="-55699" y="10436345"/>
+            <a:ext cx="13789118" cy="466344"/>
+          </a:xfrm>
+          <a:prstGeom prst="roundRect">
+            <a:avLst/>
+          </a:prstGeom>
+          <a:noFill/>
+          <a:ln w="63500">
+            <a:noFill/>
+            <a:prstDash val="sysDash"/>
+          </a:ln>
+        </p:spPr>
+        <p:style>
+          <a:lnRef idx="2">
+            <a:schemeClr val="accent1">
+              <a:shade val="50000"/>
+            </a:schemeClr>
+          </a:lnRef>
+          <a:fillRef idx="1">
+            <a:schemeClr val="accent1"/>
+          </a:fillRef>
+          <a:effectRef idx="0">
+            <a:schemeClr val="accent1"/>
+          </a:effectRef>
+          <a:fontRef idx="minor">
+            <a:schemeClr val="lt1"/>
+          </a:fontRef>
+        </p:style>
+        <p:txBody>
+          <a:bodyPr rtlCol="0" anchor="ctr"/>
+          <a:lstStyle/>
+          <a:p>
+            <a:pPr algn="ctr"/>
+            <a:r>
+              <a:rPr lang="en-US" sz="4000" dirty="0">
+                <a:solidFill>
+                  <a:schemeClr val="tx1"/>
+                </a:solidFill>
+              </a:rPr>
+              <a:t>Find smallest fiber bundle from set of MetaTracts fiber bundles</a:t>
+            </a:r>
+          </a:p>
+        </p:txBody>
+      </p:sp>
+      <p:sp>
+        <p:nvSpPr>
+          <p:cNvPr id="92" name="Rounded Rectangle 91"/>
+          <p:cNvSpPr/>
+          <p:nvPr/>
+        </p:nvSpPr>
+        <p:spPr>
+          <a:xfrm>
+            <a:off x="-55699" y="9009321"/>
+            <a:ext cx="13789118" cy="892270"/>
+          </a:xfrm>
+          <a:prstGeom prst="roundRect">
+            <a:avLst/>
+          </a:prstGeom>
+          <a:noFill/>
+          <a:ln w="63500">
+            <a:noFill/>
+            <a:prstDash val="sysDash"/>
+          </a:ln>
+        </p:spPr>
+        <p:style>
+          <a:lnRef idx="2">
+            <a:schemeClr val="accent1">
+              <a:shade val="50000"/>
+            </a:schemeClr>
+          </a:lnRef>
+          <a:fillRef idx="1">
+            <a:schemeClr val="accent1"/>
+          </a:fillRef>
+          <a:effectRef idx="0">
+            <a:schemeClr val="accent1"/>
+          </a:effectRef>
+          <a:fontRef idx="minor">
+            <a:schemeClr val="lt1"/>
+          </a:fontRef>
+        </p:style>
+        <p:txBody>
+          <a:bodyPr rtlCol="0" anchor="ctr"/>
+          <a:lstStyle/>
+          <a:p>
+            <a:r>
+              <a:rPr lang="en-US" sz="4000" dirty="0">
+                <a:solidFill>
+                  <a:schemeClr val="tx1"/>
+                </a:solidFill>
+              </a:rPr>
+              <a:t>Find  largest fiber bundle from set of MetaTracts fiber bundles</a:t>
+            </a:r>
+          </a:p>
+        </p:txBody>
+      </p:sp>
+      <p:sp>
+        <p:nvSpPr>
+          <p:cNvPr id="93" name="Rounded Rectangle 92"/>
+          <p:cNvSpPr/>
+          <p:nvPr/>
+        </p:nvSpPr>
+        <p:spPr>
+          <a:xfrm>
+            <a:off x="-55699" y="11394374"/>
+            <a:ext cx="13789118" cy="1042416"/>
+          </a:xfrm>
+          <a:prstGeom prst="roundRect">
+            <a:avLst/>
+          </a:prstGeom>
+          <a:noFill/>
+          <a:ln w="63500">
+            <a:noFill/>
+            <a:prstDash val="sysDash"/>
+          </a:ln>
+        </p:spPr>
+        <p:style>
+          <a:lnRef idx="2">
+            <a:schemeClr val="accent1">
+              <a:shade val="50000"/>
+            </a:schemeClr>
+          </a:lnRef>
+          <a:fillRef idx="1">
+            <a:schemeClr val="accent1"/>
+          </a:fillRef>
+          <a:effectRef idx="0">
+            <a:schemeClr val="accent1"/>
+          </a:effectRef>
+          <a:fontRef idx="minor">
+            <a:schemeClr val="lt1"/>
+          </a:fontRef>
+        </p:style>
+        <p:txBody>
+          <a:bodyPr rtlCol="0" anchor="ctr"/>
+          <a:lstStyle/>
+          <a:p>
+            <a:pPr algn="ctr"/>
+            <a:r>
+              <a:rPr lang="en-US" sz="4000" dirty="0">
+                <a:solidFill>
+                  <a:schemeClr val="tx1"/>
+                </a:solidFill>
+              </a:rPr>
+              <a:t>Find most similar fiber bundle to given fiber bundle, from MetaTracts extracted bundles</a:t>
+            </a:r>
+          </a:p>
+        </p:txBody>
+      </p:sp>
+      <p:cxnSp>
+        <p:nvCxnSpPr>
+          <p:cNvPr id="94" name="Straight Connector 93"/>
+          <p:cNvCxnSpPr/>
+          <p:nvPr/>
+        </p:nvCxnSpPr>
+        <p:spPr>
+          <a:xfrm>
+            <a:off x="132863" y="1759124"/>
+            <a:ext cx="17921176" cy="0"/>
+          </a:xfrm>
+          <a:prstGeom prst="line">
+            <a:avLst/>
+          </a:prstGeom>
+          <a:ln w="38100">
+            <a:solidFill>
+              <a:schemeClr val="tx1"/>
+            </a:solidFill>
+            <a:prstDash val="solid"/>
+          </a:ln>
+        </p:spPr>
+        <p:style>
+          <a:lnRef idx="1">
+            <a:schemeClr val="accent1"/>
+          </a:lnRef>
+          <a:fillRef idx="0">
+            <a:schemeClr val="accent1"/>
+          </a:fillRef>
+          <a:effectRef idx="0">
+            <a:schemeClr val="accent1"/>
+          </a:effectRef>
+          <a:fontRef idx="minor">
+            <a:schemeClr val="tx1"/>
+          </a:fontRef>
+        </p:style>
+      </p:cxnSp>
+      <p:sp>
+        <p:nvSpPr>
+          <p:cNvPr id="122" name="TextBox 121"/>
+          <p:cNvSpPr txBox="1"/>
+          <p:nvPr/>
+        </p:nvSpPr>
+        <p:spPr>
+          <a:xfrm>
+            <a:off x="13957678" y="1152483"/>
+            <a:ext cx="3032589" cy="626775"/>
+          </a:xfrm>
+          <a:prstGeom prst="rect">
+            <a:avLst/>
+          </a:prstGeom>
+          <a:noFill/>
+        </p:spPr>
+        <p:txBody>
+          <a:bodyPr wrap="square" rtlCol="0">
+            <a:spAutoFit/>
+          </a:bodyPr>
+          <a:lstStyle/>
+          <a:p>
+            <a:r>
+              <a:rPr lang="en-US" dirty="0">
+                <a:latin typeface="Calibri Light" panose="020F0302020204030204" pitchFamily="34" charset="0"/>
+              </a:rPr>
+              <a:t>1   2   3   4   5</a:t>
+            </a:r>
+          </a:p>
+        </p:txBody>
+      </p:sp>
+      <p:cxnSp>
+        <p:nvCxnSpPr>
+          <p:cNvPr id="101" name="Straight Connector 100"/>
+          <p:cNvCxnSpPr/>
+          <p:nvPr/>
+        </p:nvCxnSpPr>
+        <p:spPr>
+          <a:xfrm>
+            <a:off x="16700190" y="856207"/>
+            <a:ext cx="69947" cy="14809342"/>
+          </a:xfrm>
+          <a:prstGeom prst="line">
+            <a:avLst/>
+          </a:prstGeom>
+          <a:ln w="47625">
+            <a:solidFill>
+              <a:schemeClr val="tx1"/>
+            </a:solidFill>
+            <a:prstDash val="solid"/>
+          </a:ln>
+        </p:spPr>
+        <p:style>
+          <a:lnRef idx="1">
+            <a:schemeClr val="accent1"/>
+          </a:lnRef>
+          <a:fillRef idx="0">
+            <a:schemeClr val="accent1"/>
+          </a:fillRef>
+          <a:effectRef idx="0">
+            <a:schemeClr val="accent1"/>
+          </a:effectRef>
+          <a:fontRef idx="minor">
+            <a:schemeClr val="tx1"/>
+          </a:fontRef>
+        </p:style>
+      </p:cxnSp>
+      <p:sp>
+        <p:nvSpPr>
+          <p:cNvPr id="75" name="Rounded Rectangle 74"/>
+          <p:cNvSpPr/>
+          <p:nvPr/>
+        </p:nvSpPr>
+        <p:spPr>
+          <a:xfrm>
+            <a:off x="13500419" y="200115"/>
+            <a:ext cx="3186601" cy="626637"/>
+          </a:xfrm>
+          <a:prstGeom prst="roundRect">
+            <a:avLst/>
+          </a:prstGeom>
+          <a:noFill/>
+          <a:ln>
+            <a:noFill/>
+          </a:ln>
+        </p:spPr>
+        <p:style>
+          <a:lnRef idx="2">
+            <a:schemeClr val="accent1">
+              <a:shade val="50000"/>
+            </a:schemeClr>
+          </a:lnRef>
+          <a:fillRef idx="1">
+            <a:schemeClr val="accent1"/>
+          </a:fillRef>
+          <a:effectRef idx="0">
+            <a:schemeClr val="accent1"/>
+          </a:effectRef>
+          <a:fontRef idx="minor">
+            <a:schemeClr val="lt1"/>
+          </a:fontRef>
+        </p:style>
+        <p:txBody>
+          <a:bodyPr rtlCol="0" anchor="ctr"/>
+          <a:lstStyle/>
+          <a:p>
+            <a:pPr algn="ctr"/>
+            <a:r>
+              <a:rPr lang="en-US" sz="4400" dirty="0">
+                <a:solidFill>
+                  <a:srgbClr val="238B45"/>
+                </a:solidFill>
+              </a:rPr>
+              <a:t>Likert Scale</a:t>
+            </a:r>
+          </a:p>
+        </p:txBody>
+      </p:sp>
+      <p:sp>
+        <p:nvSpPr>
+          <p:cNvPr id="133" name="Rectangle 132"/>
+          <p:cNvSpPr/>
+          <p:nvPr/>
+        </p:nvSpPr>
+        <p:spPr>
+          <a:xfrm>
+            <a:off x="17002027" y="305284"/>
+            <a:ext cx="274320" cy="274320"/>
+          </a:xfrm>
+          <a:prstGeom prst="rect">
+            <a:avLst/>
+          </a:prstGeom>
+        </p:spPr>
+        <p:style>
+          <a:lnRef idx="2">
+            <a:schemeClr val="accent1">
+              <a:shade val="50000"/>
+            </a:schemeClr>
+          </a:lnRef>
+          <a:fillRef idx="1">
+            <a:schemeClr val="accent1"/>
+          </a:fillRef>
+          <a:effectRef idx="0">
+            <a:schemeClr val="accent1"/>
+          </a:effectRef>
+          <a:fontRef idx="minor">
+            <a:schemeClr val="lt1"/>
+          </a:fontRef>
+        </p:style>
+        <p:txBody>
+          <a:bodyPr rtlCol="0" anchor="ctr"/>
+          <a:lstStyle/>
+          <a:p>
+            <a:pPr algn="ctr"/>
+            <a:endParaRPr lang="en-US"/>
+          </a:p>
+        </p:txBody>
+      </p:sp>
+      <p:sp>
+        <p:nvSpPr>
+          <p:cNvPr id="134" name="Rectangle 133"/>
+          <p:cNvSpPr/>
+          <p:nvPr/>
+        </p:nvSpPr>
+        <p:spPr>
+          <a:xfrm>
+            <a:off x="17002027" y="807241"/>
+            <a:ext cx="274320" cy="274320"/>
+          </a:xfrm>
+          <a:prstGeom prst="rect">
+            <a:avLst/>
+          </a:prstGeom>
+          <a:solidFill>
+            <a:srgbClr val="FFC000"/>
+          </a:solidFill>
+          <a:ln>
+            <a:noFill/>
+          </a:ln>
+        </p:spPr>
+        <p:style>
+          <a:lnRef idx="2">
+            <a:schemeClr val="accent1">
+              <a:shade val="50000"/>
+            </a:schemeClr>
+          </a:lnRef>
+          <a:fillRef idx="1">
+            <a:schemeClr val="accent1"/>
+          </a:fillRef>
+          <a:effectRef idx="0">
+            <a:schemeClr val="accent1"/>
+          </a:effectRef>
+          <a:fontRef idx="minor">
+            <a:schemeClr val="lt1"/>
+          </a:fontRef>
+        </p:style>
+        <p:txBody>
+          <a:bodyPr rtlCol="0" anchor="ctr"/>
+          <a:lstStyle/>
+          <a:p>
+            <a:pPr algn="ctr"/>
+            <a:endParaRPr lang="en-US"/>
+          </a:p>
+        </p:txBody>
+      </p:sp>
+      <p:sp>
+        <p:nvSpPr>
+          <p:cNvPr id="135" name="Rectangle 134"/>
+          <p:cNvSpPr/>
+          <p:nvPr/>
+        </p:nvSpPr>
+        <p:spPr>
+          <a:xfrm>
+            <a:off x="17002027" y="1376790"/>
+            <a:ext cx="274320" cy="274320"/>
+          </a:xfrm>
+          <a:prstGeom prst="rect">
+            <a:avLst/>
+          </a:prstGeom>
+          <a:solidFill>
+            <a:srgbClr val="ED7D31"/>
+          </a:solidFill>
+          <a:ln>
+            <a:noFill/>
+          </a:ln>
+        </p:spPr>
+        <p:style>
+          <a:lnRef idx="2">
+            <a:schemeClr val="accent1">
+              <a:shade val="50000"/>
+            </a:schemeClr>
+          </a:lnRef>
+          <a:fillRef idx="1">
+            <a:schemeClr val="accent1"/>
+          </a:fillRef>
+          <a:effectRef idx="0">
+            <a:schemeClr val="accent1"/>
+          </a:effectRef>
+          <a:fontRef idx="minor">
+            <a:schemeClr val="lt1"/>
+          </a:fontRef>
+        </p:style>
+        <p:txBody>
+          <a:bodyPr rtlCol="0" anchor="ctr"/>
+          <a:lstStyle/>
+          <a:p>
+            <a:pPr algn="ctr"/>
+            <a:endParaRPr lang="en-US"/>
+          </a:p>
+        </p:txBody>
+      </p:sp>
+      <p:sp>
+        <p:nvSpPr>
+          <p:cNvPr id="136" name="TextBox 135"/>
+          <p:cNvSpPr txBox="1"/>
+          <p:nvPr/>
+        </p:nvSpPr>
+        <p:spPr>
+          <a:xfrm>
+            <a:off x="17336692" y="74940"/>
+            <a:ext cx="1999050" cy="707886"/>
+          </a:xfrm>
+          <a:prstGeom prst="rect">
+            <a:avLst/>
+          </a:prstGeom>
+          <a:noFill/>
+        </p:spPr>
+        <p:txBody>
+          <a:bodyPr wrap="square" rtlCol="0">
+            <a:spAutoFit/>
+          </a:bodyPr>
+          <a:lstStyle/>
+          <a:p>
+            <a:r>
+              <a:rPr lang="en-US" sz="4000" dirty="0">
+                <a:solidFill>
+                  <a:srgbClr val="238B45"/>
+                </a:solidFill>
+              </a:rPr>
+              <a:t>Correct</a:t>
+            </a:r>
+            <a:endParaRPr lang="en-US" sz="4800" dirty="0">
+              <a:solidFill>
+                <a:srgbClr val="238B45"/>
+              </a:solidFill>
+            </a:endParaRPr>
+          </a:p>
+        </p:txBody>
+      </p:sp>
+      <p:sp>
+        <p:nvSpPr>
+          <p:cNvPr id="137" name="Rectangle 136"/>
+          <p:cNvSpPr/>
+          <p:nvPr/>
+        </p:nvSpPr>
+        <p:spPr>
+          <a:xfrm>
+            <a:off x="16990267" y="305284"/>
+            <a:ext cx="274320" cy="274320"/>
+          </a:xfrm>
+          <a:prstGeom prst="rect">
+            <a:avLst/>
+          </a:prstGeom>
+          <a:solidFill>
+            <a:srgbClr val="70AD47"/>
+          </a:solidFill>
+          <a:ln>
+            <a:noFill/>
+          </a:ln>
+        </p:spPr>
+        <p:style>
+          <a:lnRef idx="2">
+            <a:schemeClr val="accent1">
+              <a:shade val="50000"/>
+            </a:schemeClr>
+          </a:lnRef>
+          <a:fillRef idx="1">
+            <a:schemeClr val="accent1"/>
+          </a:fillRef>
+          <a:effectRef idx="0">
+            <a:schemeClr val="accent1"/>
+          </a:effectRef>
+          <a:fontRef idx="minor">
+            <a:schemeClr val="lt1"/>
+          </a:fontRef>
+        </p:style>
+        <p:txBody>
+          <a:bodyPr rtlCol="0" anchor="ctr"/>
+          <a:lstStyle/>
+          <a:p>
+            <a:pPr algn="ctr"/>
+            <a:endParaRPr lang="en-US"/>
+          </a:p>
+        </p:txBody>
+      </p:sp>
+      <p:sp>
+        <p:nvSpPr>
+          <p:cNvPr id="138" name="Rectangle 137"/>
+          <p:cNvSpPr/>
+          <p:nvPr/>
+        </p:nvSpPr>
+        <p:spPr>
+          <a:xfrm>
+            <a:off x="17336692" y="721272"/>
+            <a:ext cx="2962671" cy="360290"/>
+          </a:xfrm>
+          <a:prstGeom prst="rect">
+            <a:avLst/>
+          </a:prstGeom>
+          <a:noFill/>
+          <a:ln>
+            <a:noFill/>
+          </a:ln>
+        </p:spPr>
+        <p:style>
+          <a:lnRef idx="2">
+            <a:schemeClr val="accent1">
+              <a:shade val="50000"/>
+            </a:schemeClr>
+          </a:lnRef>
+          <a:fillRef idx="1">
+            <a:schemeClr val="accent1"/>
+          </a:fillRef>
+          <a:effectRef idx="0">
+            <a:schemeClr val="accent1"/>
+          </a:effectRef>
+          <a:fontRef idx="minor">
+            <a:schemeClr val="lt1"/>
+          </a:fontRef>
+        </p:style>
+        <p:txBody>
+          <a:bodyPr rtlCol="0" anchor="ctr"/>
+          <a:lstStyle/>
+          <a:p>
+            <a:r>
+              <a:rPr lang="en-US" sz="3600" dirty="0">
+                <a:solidFill>
+                  <a:srgbClr val="238B45"/>
+                </a:solidFill>
+              </a:rPr>
+              <a:t>Minor</a:t>
+            </a:r>
+            <a:r>
+              <a:rPr lang="en-US" sz="2000" dirty="0">
+                <a:solidFill>
+                  <a:schemeClr val="tx1"/>
+                </a:solidFill>
+              </a:rPr>
+              <a:t> </a:t>
+            </a:r>
+            <a:r>
+              <a:rPr lang="en-US" sz="3600" dirty="0">
+                <a:solidFill>
+                  <a:srgbClr val="238B45"/>
+                </a:solidFill>
+              </a:rPr>
+              <a:t>Mistake</a:t>
+            </a:r>
+          </a:p>
+        </p:txBody>
+      </p:sp>
+      <p:sp>
+        <p:nvSpPr>
+          <p:cNvPr id="139" name="Rectangle 138"/>
+          <p:cNvSpPr/>
+          <p:nvPr/>
+        </p:nvSpPr>
+        <p:spPr>
+          <a:xfrm>
+            <a:off x="17336692" y="1278031"/>
+            <a:ext cx="2800733" cy="373079"/>
+          </a:xfrm>
+          <a:prstGeom prst="rect">
+            <a:avLst/>
+          </a:prstGeom>
+          <a:noFill/>
+          <a:ln>
+            <a:noFill/>
+          </a:ln>
+        </p:spPr>
+        <p:style>
+          <a:lnRef idx="2">
+            <a:schemeClr val="accent1">
+              <a:shade val="50000"/>
+            </a:schemeClr>
+          </a:lnRef>
+          <a:fillRef idx="1">
+            <a:schemeClr val="accent1"/>
+          </a:fillRef>
+          <a:effectRef idx="0">
+            <a:schemeClr val="accent1"/>
+          </a:effectRef>
+          <a:fontRef idx="minor">
+            <a:schemeClr val="lt1"/>
+          </a:fontRef>
+        </p:style>
+        <p:txBody>
+          <a:bodyPr rtlCol="0" anchor="ctr"/>
+          <a:lstStyle/>
+          <a:p>
+            <a:r>
+              <a:rPr lang="en-US" sz="4000" dirty="0">
+                <a:solidFill>
+                  <a:srgbClr val="238B45"/>
+                </a:solidFill>
+              </a:rPr>
+              <a:t>Wrong</a:t>
+            </a:r>
+          </a:p>
+        </p:txBody>
+      </p:sp>
+      <p:cxnSp>
+        <p:nvCxnSpPr>
+          <p:cNvPr id="74" name="Straight Connector 73"/>
+          <p:cNvCxnSpPr/>
+          <p:nvPr/>
+        </p:nvCxnSpPr>
+        <p:spPr>
+          <a:xfrm flipH="1">
+            <a:off x="14139616" y="1686660"/>
+            <a:ext cx="30822" cy="13978889"/>
+          </a:xfrm>
+          <a:prstGeom prst="line">
+            <a:avLst/>
+          </a:prstGeom>
+          <a:ln w="31750">
+            <a:solidFill>
+              <a:schemeClr val="tx1">
+                <a:lumMod val="50000"/>
+                <a:lumOff val="50000"/>
+              </a:schemeClr>
+            </a:solidFill>
+          </a:ln>
+        </p:spPr>
+        <p:style>
+          <a:lnRef idx="1">
+            <a:schemeClr val="accent1"/>
+          </a:lnRef>
+          <a:fillRef idx="0">
+            <a:schemeClr val="accent1"/>
+          </a:fillRef>
+          <a:effectRef idx="0">
+            <a:schemeClr val="accent1"/>
+          </a:effectRef>
+          <a:fontRef idx="minor">
+            <a:schemeClr val="tx1"/>
+          </a:fontRef>
+        </p:style>
+      </p:cxnSp>
+      <p:cxnSp>
+        <p:nvCxnSpPr>
+          <p:cNvPr id="140" name="Straight Connector 139"/>
+          <p:cNvCxnSpPr/>
+          <p:nvPr/>
+        </p:nvCxnSpPr>
+        <p:spPr>
+          <a:xfrm flipH="1">
+            <a:off x="14398450" y="1686660"/>
+            <a:ext cx="30822" cy="13978889"/>
+          </a:xfrm>
+          <a:prstGeom prst="line">
+            <a:avLst/>
+          </a:prstGeom>
+          <a:ln w="25400">
+            <a:solidFill>
+              <a:schemeClr val="bg1">
+                <a:lumMod val="50000"/>
+              </a:schemeClr>
+            </a:solidFill>
+            <a:prstDash val="dash"/>
+          </a:ln>
+        </p:spPr>
+        <p:style>
+          <a:lnRef idx="1">
+            <a:schemeClr val="accent1"/>
+          </a:lnRef>
+          <a:fillRef idx="0">
+            <a:schemeClr val="accent1"/>
+          </a:fillRef>
+          <a:effectRef idx="0">
+            <a:schemeClr val="accent1"/>
+          </a:effectRef>
+          <a:fontRef idx="minor">
+            <a:schemeClr val="tx1"/>
+          </a:fontRef>
+        </p:style>
+      </p:cxnSp>
+      <p:cxnSp>
+        <p:nvCxnSpPr>
+          <p:cNvPr id="141" name="Straight Connector 140"/>
+          <p:cNvCxnSpPr/>
+          <p:nvPr/>
+        </p:nvCxnSpPr>
+        <p:spPr>
+          <a:xfrm flipH="1">
+            <a:off x="14657284" y="1686660"/>
+            <a:ext cx="30822" cy="13978889"/>
+          </a:xfrm>
+          <a:prstGeom prst="line">
+            <a:avLst/>
+          </a:prstGeom>
+          <a:ln w="31750">
+            <a:solidFill>
+              <a:schemeClr val="tx1">
+                <a:lumMod val="50000"/>
+                <a:lumOff val="50000"/>
+              </a:schemeClr>
+            </a:solidFill>
+          </a:ln>
+        </p:spPr>
+        <p:style>
+          <a:lnRef idx="1">
+            <a:schemeClr val="accent1"/>
+          </a:lnRef>
+          <a:fillRef idx="0">
+            <a:schemeClr val="accent1"/>
+          </a:fillRef>
+          <a:effectRef idx="0">
+            <a:schemeClr val="accent1"/>
+          </a:effectRef>
+          <a:fontRef idx="minor">
+            <a:schemeClr val="tx1"/>
+          </a:fontRef>
+        </p:style>
+      </p:cxnSp>
+      <p:cxnSp>
+        <p:nvCxnSpPr>
+          <p:cNvPr id="143" name="Straight Connector 142"/>
+          <p:cNvCxnSpPr/>
+          <p:nvPr/>
+        </p:nvCxnSpPr>
+        <p:spPr>
+          <a:xfrm flipH="1">
+            <a:off x="15174952" y="1686660"/>
+            <a:ext cx="30822" cy="13978889"/>
+          </a:xfrm>
+          <a:prstGeom prst="line">
+            <a:avLst/>
+          </a:prstGeom>
+          <a:ln w="31750">
+            <a:solidFill>
+              <a:schemeClr val="tx1">
+                <a:lumMod val="50000"/>
+                <a:lumOff val="50000"/>
+              </a:schemeClr>
+            </a:solidFill>
+          </a:ln>
+        </p:spPr>
+        <p:style>
+          <a:lnRef idx="1">
+            <a:schemeClr val="accent1"/>
+          </a:lnRef>
+          <a:fillRef idx="0">
+            <a:schemeClr val="accent1"/>
+          </a:fillRef>
+          <a:effectRef idx="0">
+            <a:schemeClr val="accent1"/>
+          </a:effectRef>
+          <a:fontRef idx="minor">
+            <a:schemeClr val="tx1"/>
+          </a:fontRef>
+        </p:style>
+      </p:cxnSp>
+      <p:cxnSp>
+        <p:nvCxnSpPr>
+          <p:cNvPr id="142" name="Straight Connector 141"/>
+          <p:cNvCxnSpPr/>
+          <p:nvPr/>
+        </p:nvCxnSpPr>
+        <p:spPr>
+          <a:xfrm flipH="1">
+            <a:off x="14916118" y="1686660"/>
+            <a:ext cx="30822" cy="13978889"/>
+          </a:xfrm>
+          <a:prstGeom prst="line">
+            <a:avLst/>
+          </a:prstGeom>
+          <a:ln w="25400">
+            <a:solidFill>
+              <a:schemeClr val="bg1">
+                <a:lumMod val="50000"/>
+              </a:schemeClr>
+            </a:solidFill>
+            <a:prstDash val="dash"/>
+          </a:ln>
+        </p:spPr>
+        <p:style>
+          <a:lnRef idx="1">
+            <a:schemeClr val="accent1"/>
+          </a:lnRef>
+          <a:fillRef idx="0">
+            <a:schemeClr val="accent1"/>
+          </a:fillRef>
+          <a:effectRef idx="0">
+            <a:schemeClr val="accent1"/>
+          </a:effectRef>
+          <a:fontRef idx="minor">
+            <a:schemeClr val="tx1"/>
+          </a:fontRef>
+        </p:style>
+      </p:cxnSp>
+      <p:cxnSp>
+        <p:nvCxnSpPr>
+          <p:cNvPr id="144" name="Straight Connector 143"/>
+          <p:cNvCxnSpPr/>
+          <p:nvPr/>
+        </p:nvCxnSpPr>
+        <p:spPr>
+          <a:xfrm flipH="1">
+            <a:off x="15433786" y="1686660"/>
+            <a:ext cx="30822" cy="13978889"/>
+          </a:xfrm>
+          <a:prstGeom prst="line">
+            <a:avLst/>
+          </a:prstGeom>
+          <a:ln w="25400">
+            <a:solidFill>
+              <a:schemeClr val="bg1">
+                <a:lumMod val="50000"/>
+              </a:schemeClr>
+            </a:solidFill>
+            <a:prstDash val="dash"/>
+          </a:ln>
+        </p:spPr>
+        <p:style>
+          <a:lnRef idx="1">
+            <a:schemeClr val="accent1"/>
+          </a:lnRef>
+          <a:fillRef idx="0">
+            <a:schemeClr val="accent1"/>
+          </a:fillRef>
+          <a:effectRef idx="0">
+            <a:schemeClr val="accent1"/>
+          </a:effectRef>
+          <a:fontRef idx="minor">
+            <a:schemeClr val="tx1"/>
+          </a:fontRef>
+        </p:style>
+      </p:cxnSp>
+      <p:cxnSp>
+        <p:nvCxnSpPr>
+          <p:cNvPr id="145" name="Straight Connector 144"/>
+          <p:cNvCxnSpPr/>
+          <p:nvPr/>
+        </p:nvCxnSpPr>
+        <p:spPr>
+          <a:xfrm flipH="1">
+            <a:off x="15692620" y="1686660"/>
+            <a:ext cx="30822" cy="13978889"/>
+          </a:xfrm>
+          <a:prstGeom prst="line">
+            <a:avLst/>
+          </a:prstGeom>
+          <a:ln w="31750">
+            <a:solidFill>
+              <a:schemeClr val="tx1">
+                <a:lumMod val="50000"/>
+                <a:lumOff val="50000"/>
+              </a:schemeClr>
+            </a:solidFill>
+          </a:ln>
+        </p:spPr>
+        <p:style>
+          <a:lnRef idx="1">
+            <a:schemeClr val="accent1"/>
+          </a:lnRef>
+          <a:fillRef idx="0">
+            <a:schemeClr val="accent1"/>
+          </a:fillRef>
+          <a:effectRef idx="0">
+            <a:schemeClr val="accent1"/>
+          </a:effectRef>
+          <a:fontRef idx="minor">
+            <a:schemeClr val="tx1"/>
+          </a:fontRef>
+        </p:style>
+      </p:cxnSp>
+      <p:cxnSp>
+        <p:nvCxnSpPr>
+          <p:cNvPr id="146" name="Straight Connector 145"/>
+          <p:cNvCxnSpPr/>
+          <p:nvPr/>
+        </p:nvCxnSpPr>
+        <p:spPr>
+          <a:xfrm flipH="1">
+            <a:off x="15951454" y="1686660"/>
+            <a:ext cx="30822" cy="13978889"/>
+          </a:xfrm>
+          <a:prstGeom prst="line">
+            <a:avLst/>
+          </a:prstGeom>
+          <a:ln w="25400">
+            <a:solidFill>
+              <a:schemeClr val="bg1">
+                <a:lumMod val="50000"/>
+              </a:schemeClr>
+            </a:solidFill>
+            <a:prstDash val="dash"/>
+          </a:ln>
+        </p:spPr>
+        <p:style>
+          <a:lnRef idx="1">
+            <a:schemeClr val="accent1"/>
+          </a:lnRef>
+          <a:fillRef idx="0">
+            <a:schemeClr val="accent1"/>
+          </a:fillRef>
+          <a:effectRef idx="0">
+            <a:schemeClr val="accent1"/>
+          </a:effectRef>
+          <a:fontRef idx="minor">
+            <a:schemeClr val="tx1"/>
+          </a:fontRef>
+        </p:style>
+      </p:cxnSp>
+      <p:cxnSp>
+        <p:nvCxnSpPr>
+          <p:cNvPr id="147" name="Straight Connector 146"/>
+          <p:cNvCxnSpPr/>
+          <p:nvPr/>
+        </p:nvCxnSpPr>
+        <p:spPr>
+          <a:xfrm flipH="1">
+            <a:off x="16210287" y="1686660"/>
+            <a:ext cx="30822" cy="13978889"/>
+          </a:xfrm>
+          <a:prstGeom prst="line">
+            <a:avLst/>
+          </a:prstGeom>
+          <a:ln w="31750">
+            <a:solidFill>
+              <a:schemeClr val="tx1">
+                <a:lumMod val="50000"/>
+                <a:lumOff val="50000"/>
+              </a:schemeClr>
+            </a:solidFill>
+          </a:ln>
+        </p:spPr>
+        <p:style>
+          <a:lnRef idx="1">
+            <a:schemeClr val="accent1"/>
+          </a:lnRef>
+          <a:fillRef idx="0">
+            <a:schemeClr val="accent1"/>
+          </a:fillRef>
+          <a:effectRef idx="0">
+            <a:schemeClr val="accent1"/>
+          </a:effectRef>
+          <a:fontRef idx="minor">
+            <a:schemeClr val="tx1"/>
+          </a:fontRef>
+        </p:style>
+      </p:cxnSp>
       <p:grpSp>
         <p:nvGrpSpPr>
-          <p:cNvPr id="71" name="Group 70"/>
+          <p:cNvPr id="100" name="Group 99"/>
           <p:cNvGrpSpPr/>
           <p:nvPr/>
         </p:nvGrpSpPr>
         <p:grpSpPr>
           <a:xfrm>
-            <a:off x="-55699" y="856207"/>
-            <a:ext cx="18289946" cy="14809342"/>
-            <a:chOff x="-92211" y="1526766"/>
-            <a:chExt cx="18289946" cy="14809342"/>
+            <a:off x="15715510" y="7575532"/>
+            <a:ext cx="548640" cy="548640"/>
+            <a:chOff x="15731753" y="8246091"/>
+            <a:chExt cx="548640" cy="548640"/>
           </a:xfrm>
         </p:grpSpPr>
-        <p:sp>
-          <p:nvSpPr>
-            <p:cNvPr id="76" name="Rounded Rectangle 75"/>
-            <p:cNvSpPr/>
-            <p:nvPr/>
-          </p:nvSpPr>
-          <p:spPr>
-            <a:xfrm>
-              <a:off x="-92211" y="5115023"/>
-              <a:ext cx="13789152" cy="466344"/>
-            </a:xfrm>
-            <a:prstGeom prst="roundRect">
-              <a:avLst/>
-            </a:prstGeom>
-            <a:noFill/>
-            <a:ln w="63500">
-              <a:noFill/>
-              <a:prstDash val="sysDash"/>
-            </a:ln>
-          </p:spPr>
-          <p:style>
-            <a:lnRef idx="2">
-              <a:schemeClr val="accent1">
-                <a:shade val="50000"/>
-              </a:schemeClr>
-            </a:lnRef>
-            <a:fillRef idx="1">
-              <a:schemeClr val="accent1"/>
-            </a:fillRef>
-            <a:effectRef idx="0">
-              <a:schemeClr val="accent1"/>
-            </a:effectRef>
-            <a:fontRef idx="minor">
-              <a:schemeClr val="lt1"/>
-            </a:fontRef>
-          </p:style>
-          <p:txBody>
-            <a:bodyPr rtlCol="0" anchor="ctr"/>
-            <a:lstStyle/>
-            <a:p>
-              <a:pPr algn="ctr"/>
-              <a:r>
-                <a:rPr lang="en-US" sz="4000" dirty="0">
-                  <a:solidFill>
-                    <a:schemeClr val="tx1"/>
-                  </a:solidFill>
-                </a:rPr>
-                <a:t>Hessian based visualizations perform better than  DV rendering</a:t>
-              </a:r>
-              <a:endParaRPr lang="en-US" sz="4000" dirty="0">
-                <a:solidFill>
-                  <a:schemeClr val="tx1"/>
-                </a:solidFill>
-              </a:endParaRPr>
-            </a:p>
-          </p:txBody>
-        </p:sp>
-        <p:sp>
-          <p:nvSpPr>
-            <p:cNvPr id="77" name="Rounded Rectangle 76"/>
-            <p:cNvSpPr/>
-            <p:nvPr/>
-          </p:nvSpPr>
-          <p:spPr>
-            <a:xfrm>
-              <a:off x="-92211" y="15102201"/>
-              <a:ext cx="13880369" cy="1042416"/>
-            </a:xfrm>
-            <a:prstGeom prst="roundRect">
-              <a:avLst/>
-            </a:prstGeom>
-            <a:noFill/>
-            <a:ln w="63500">
-              <a:noFill/>
-              <a:prstDash val="sysDash"/>
-            </a:ln>
-          </p:spPr>
-          <p:style>
-            <a:lnRef idx="2">
-              <a:schemeClr val="accent1">
-                <a:shade val="50000"/>
-              </a:schemeClr>
-            </a:lnRef>
-            <a:fillRef idx="1">
-              <a:schemeClr val="accent1"/>
-            </a:fillRef>
-            <a:effectRef idx="0">
-              <a:schemeClr val="accent1"/>
-            </a:effectRef>
-            <a:fontRef idx="minor">
-              <a:schemeClr val="lt1"/>
-            </a:fontRef>
-          </p:style>
-          <p:txBody>
-            <a:bodyPr rtlCol="0" anchor="ctr"/>
-            <a:lstStyle/>
-            <a:p>
-              <a:pPr algn="ctr"/>
-              <a:r>
-                <a:rPr lang="en-US" sz="4000" dirty="0">
-                  <a:solidFill>
-                    <a:schemeClr val="tx1"/>
-                  </a:solidFill>
-                </a:rPr>
-                <a:t>Meshes generated from MetaTracts provide better spatial context than volume rendering</a:t>
-              </a:r>
-              <a:endParaRPr lang="en-US" sz="4000" dirty="0">
-                <a:solidFill>
-                  <a:schemeClr val="tx1"/>
-                </a:solidFill>
-              </a:endParaRPr>
-            </a:p>
-          </p:txBody>
-        </p:sp>
-        <p:sp>
-          <p:nvSpPr>
-            <p:cNvPr id="78" name="Rounded Rectangle 77"/>
-            <p:cNvSpPr/>
-            <p:nvPr/>
-          </p:nvSpPr>
-          <p:spPr>
-            <a:xfrm>
-              <a:off x="-86679" y="7040736"/>
-              <a:ext cx="13830004" cy="469324"/>
-            </a:xfrm>
-            <a:prstGeom prst="roundRect">
-              <a:avLst/>
-            </a:prstGeom>
-            <a:noFill/>
-            <a:ln w="63500">
-              <a:noFill/>
-              <a:prstDash val="sysDash"/>
-            </a:ln>
-          </p:spPr>
-          <p:style>
-            <a:lnRef idx="2">
-              <a:schemeClr val="accent1">
-                <a:shade val="50000"/>
-              </a:schemeClr>
-            </a:lnRef>
-            <a:fillRef idx="1">
-              <a:schemeClr val="accent1"/>
-            </a:fillRef>
-            <a:effectRef idx="0">
-              <a:schemeClr val="accent1"/>
-            </a:effectRef>
-            <a:fontRef idx="minor">
-              <a:schemeClr val="lt1"/>
-            </a:fontRef>
-          </p:style>
-          <p:txBody>
-            <a:bodyPr rtlCol="0" anchor="ctr"/>
-            <a:lstStyle/>
-            <a:p>
-              <a:pPr algn="ctr"/>
-              <a:r>
-                <a:rPr lang="en-US" sz="4000" dirty="0">
-                  <a:solidFill>
-                    <a:schemeClr val="tx1"/>
-                  </a:solidFill>
-                </a:rPr>
-                <a:t>MetaTracts visualizations perform better than DV rendering</a:t>
-              </a:r>
-              <a:endParaRPr lang="en-US" sz="4000" dirty="0">
-                <a:solidFill>
-                  <a:schemeClr val="tx1"/>
-                </a:solidFill>
-              </a:endParaRPr>
-            </a:p>
-          </p:txBody>
-        </p:sp>
-        <p:sp>
-          <p:nvSpPr>
-            <p:cNvPr id="79" name="Rounded Rectangle 78"/>
-            <p:cNvSpPr/>
-            <p:nvPr/>
-          </p:nvSpPr>
-          <p:spPr>
-            <a:xfrm>
-              <a:off x="-92211" y="8035347"/>
-              <a:ext cx="13789118" cy="1040469"/>
-            </a:xfrm>
-            <a:prstGeom prst="roundRect">
-              <a:avLst/>
-            </a:prstGeom>
-            <a:noFill/>
-            <a:ln w="63500">
-              <a:noFill/>
-              <a:prstDash val="sysDash"/>
-            </a:ln>
-          </p:spPr>
-          <p:style>
-            <a:lnRef idx="2">
-              <a:schemeClr val="accent1">
-                <a:shade val="50000"/>
-              </a:schemeClr>
-            </a:lnRef>
-            <a:fillRef idx="1">
-              <a:schemeClr val="accent1"/>
-            </a:fillRef>
-            <a:effectRef idx="0">
-              <a:schemeClr val="accent1"/>
-            </a:effectRef>
-            <a:fontRef idx="minor">
-              <a:schemeClr val="lt1"/>
-            </a:fontRef>
-          </p:style>
-          <p:txBody>
-            <a:bodyPr rtlCol="0" anchor="ctr"/>
-            <a:lstStyle/>
-            <a:p>
-              <a:pPr algn="ctr"/>
-              <a:r>
-                <a:rPr lang="en-US" sz="4000" dirty="0">
-                  <a:solidFill>
-                    <a:schemeClr val="tx1"/>
-                  </a:solidFill>
-                </a:rPr>
-                <a:t>MetaTracts 2D slices visualizations perform better than 2D slices of original data</a:t>
-              </a:r>
-              <a:endParaRPr lang="en-US" sz="4000" dirty="0">
-                <a:solidFill>
-                  <a:schemeClr val="tx1"/>
-                </a:solidFill>
-              </a:endParaRPr>
-            </a:p>
-          </p:txBody>
-        </p:sp>
-        <p:sp>
-          <p:nvSpPr>
-            <p:cNvPr id="80" name="Rounded Rectangle 79"/>
-            <p:cNvSpPr/>
-            <p:nvPr/>
-          </p:nvSpPr>
-          <p:spPr>
-            <a:xfrm>
-              <a:off x="-92211" y="13571602"/>
-              <a:ext cx="13938293" cy="1042416"/>
-            </a:xfrm>
-            <a:prstGeom prst="roundRect">
-              <a:avLst/>
-            </a:prstGeom>
-            <a:noFill/>
-            <a:ln w="63500">
-              <a:noFill/>
-              <a:prstDash val="sysDash"/>
-            </a:ln>
-          </p:spPr>
-          <p:style>
-            <a:lnRef idx="2">
-              <a:schemeClr val="accent1">
-                <a:shade val="50000"/>
-              </a:schemeClr>
-            </a:lnRef>
-            <a:fillRef idx="1">
-              <a:schemeClr val="accent1"/>
-            </a:fillRef>
-            <a:effectRef idx="0">
-              <a:schemeClr val="accent1"/>
-            </a:effectRef>
-            <a:fontRef idx="minor">
-              <a:schemeClr val="lt1"/>
-            </a:fontRef>
-          </p:style>
-          <p:txBody>
-            <a:bodyPr rtlCol="0" anchor="ctr"/>
-            <a:lstStyle/>
-            <a:p>
-              <a:pPr algn="ctr"/>
-              <a:r>
-                <a:rPr lang="en-US" sz="4000" dirty="0">
-                  <a:solidFill>
-                    <a:schemeClr val="tx1"/>
-                  </a:solidFill>
-                </a:rPr>
-                <a:t>MetaTracts visualizations perform better in finding largest, smallest and similar looking bundles than DV rendering</a:t>
-              </a:r>
-              <a:endParaRPr lang="en-US" sz="4000" dirty="0">
-                <a:solidFill>
-                  <a:schemeClr val="tx1"/>
-                </a:solidFill>
-              </a:endParaRPr>
-            </a:p>
-          </p:txBody>
-        </p:sp>
-        <p:pic>
-          <p:nvPicPr>
-            <p:cNvPr id="81" name="Picture 80"/>
-            <p:cNvPicPr>
-              <a:picLocks noChangeAspect="1"/>
-            </p:cNvPicPr>
-            <p:nvPr/>
-          </p:nvPicPr>
-          <p:blipFill rotWithShape="1">
-            <a:blip r:embed="rId2" cstate="print">
-              <a:extLst>
-                <a:ext uri="{28A0092B-C50C-407E-A947-70E740481C1C}">
-                  <a14:useLocalDpi xmlns:a14="http://schemas.microsoft.com/office/drawing/2010/main" val="0"/>
-                </a:ext>
-              </a:extLst>
-            </a:blip>
-            <a:srcRect l="5285" t="-80" b="-80"/>
-            <a:stretch/>
-          </p:blipFill>
-          <p:spPr>
-            <a:xfrm>
-              <a:off x="16995032" y="12069505"/>
-              <a:ext cx="1202703" cy="1097280"/>
-            </a:xfrm>
-            <a:prstGeom prst="rect">
-              <a:avLst/>
-            </a:prstGeom>
-          </p:spPr>
-        </p:pic>
-        <p:pic>
-          <p:nvPicPr>
-            <p:cNvPr id="82" name="Picture 81"/>
-            <p:cNvPicPr>
-              <a:picLocks noChangeAspect="1"/>
-            </p:cNvPicPr>
-            <p:nvPr/>
-          </p:nvPicPr>
-          <p:blipFill rotWithShape="1">
-            <a:blip r:embed="rId3" cstate="print">
-              <a:extLst>
-                <a:ext uri="{28A0092B-C50C-407E-A947-70E740481C1C}">
-                  <a14:useLocalDpi xmlns:a14="http://schemas.microsoft.com/office/drawing/2010/main" val="0"/>
-                </a:ext>
-              </a:extLst>
-            </a:blip>
-            <a:srcRect l="7819" r="2811"/>
-            <a:stretch/>
-          </p:blipFill>
-          <p:spPr>
-            <a:xfrm>
-              <a:off x="17034151" y="9577375"/>
-              <a:ext cx="1124465" cy="1097280"/>
-            </a:xfrm>
-            <a:prstGeom prst="rect">
-              <a:avLst/>
-            </a:prstGeom>
-          </p:spPr>
-        </p:pic>
-        <p:pic>
-          <p:nvPicPr>
-            <p:cNvPr id="83" name="Picture 82"/>
-            <p:cNvPicPr>
-              <a:picLocks noChangeAspect="1"/>
-            </p:cNvPicPr>
-            <p:nvPr/>
-          </p:nvPicPr>
-          <p:blipFill rotWithShape="1">
-            <a:blip r:embed="rId3" cstate="print">
-              <a:extLst>
-                <a:ext uri="{28A0092B-C50C-407E-A947-70E740481C1C}">
-                  <a14:useLocalDpi xmlns:a14="http://schemas.microsoft.com/office/drawing/2010/main" val="0"/>
-                </a:ext>
-              </a:extLst>
-            </a:blip>
-            <a:srcRect l="6838" r="-1175"/>
-            <a:stretch/>
-          </p:blipFill>
-          <p:spPr>
-            <a:xfrm>
-              <a:off x="17002897" y="10791436"/>
-              <a:ext cx="1186972" cy="1097280"/>
-            </a:xfrm>
-            <a:prstGeom prst="rect">
-              <a:avLst/>
-            </a:prstGeom>
-          </p:spPr>
-        </p:pic>
         <p:cxnSp>
           <p:nvCxnSpPr>
-            <p:cNvPr id="84" name="Straight Connector 83"/>
+            <p:cNvPr id="102" name="Straight Connector 101"/>
             <p:cNvCxnSpPr/>
             <p:nvPr/>
           </p:nvCxnSpPr>
           <p:spPr>
-            <a:xfrm>
-              <a:off x="13794834" y="1526766"/>
-              <a:ext cx="71586" cy="14809342"/>
+            <a:xfrm flipV="1">
+              <a:off x="15731753" y="8554183"/>
+              <a:ext cx="548640" cy="2796"/>
             </a:xfrm>
             <a:prstGeom prst="line">
               <a:avLst/>
             </a:prstGeom>
-            <a:ln w="47625">
+            <a:ln w="63500">
               <a:solidFill>
-                <a:schemeClr val="accent1">
-                  <a:lumMod val="40000"/>
-                  <a:lumOff val="60000"/>
-                </a:schemeClr>
+                <a:schemeClr val="tx1"/>
               </a:solidFill>
-              <a:prstDash val="solid"/>
+              <a:prstDash val="sysDash"/>
             </a:ln>
           </p:spPr>
           <p:style>
@@ -3391,449 +4625,21 @@
             </a:fontRef>
           </p:style>
         </p:cxnSp>
-        <p:sp>
-          <p:nvSpPr>
-            <p:cNvPr id="85" name="Rounded Rectangle 84"/>
-            <p:cNvSpPr/>
-            <p:nvPr/>
-          </p:nvSpPr>
-          <p:spPr>
-            <a:xfrm>
-              <a:off x="-92211" y="2544418"/>
-              <a:ext cx="13789118" cy="466344"/>
-            </a:xfrm>
-            <a:prstGeom prst="roundRect">
-              <a:avLst/>
-            </a:prstGeom>
-            <a:noFill/>
-            <a:ln w="63500">
-              <a:noFill/>
-              <a:prstDash val="sysDash"/>
-            </a:ln>
-          </p:spPr>
-          <p:style>
-            <a:lnRef idx="2">
-              <a:schemeClr val="accent1">
-                <a:shade val="50000"/>
-              </a:schemeClr>
-            </a:lnRef>
-            <a:fillRef idx="1">
-              <a:schemeClr val="accent1"/>
-            </a:fillRef>
-            <a:effectRef idx="0">
-              <a:schemeClr val="accent1"/>
-            </a:effectRef>
-            <a:fontRef idx="minor">
-              <a:schemeClr val="lt1"/>
-            </a:fontRef>
-          </p:style>
-          <p:txBody>
-            <a:bodyPr rtlCol="0" anchor="ctr"/>
-            <a:lstStyle/>
-            <a:p>
-              <a:pPr algn="ctr"/>
-              <a:r>
-                <a:rPr lang="en-US" sz="4000" dirty="0">
-                  <a:solidFill>
-                    <a:schemeClr val="tx1"/>
-                  </a:solidFill>
-                </a:rPr>
-                <a:t>Find number of fiber bundles from volume rendering of data set1</a:t>
-              </a:r>
-              <a:endParaRPr lang="en-US" sz="4000" dirty="0">
-                <a:solidFill>
-                  <a:schemeClr val="tx1"/>
-                </a:solidFill>
-              </a:endParaRPr>
-            </a:p>
-          </p:txBody>
-        </p:sp>
-        <p:pic>
-          <p:nvPicPr>
-            <p:cNvPr id="86" name="Picture 85"/>
-            <p:cNvPicPr>
-              <a:picLocks noChangeAspect="1"/>
-            </p:cNvPicPr>
-            <p:nvPr/>
-          </p:nvPicPr>
-          <p:blipFill rotWithShape="1">
-            <a:blip r:embed="rId4" cstate="print">
-              <a:extLst>
-                <a:ext uri="{28A0092B-C50C-407E-A947-70E740481C1C}">
-                  <a14:useLocalDpi xmlns:a14="http://schemas.microsoft.com/office/drawing/2010/main" val="0"/>
-                </a:ext>
-              </a:extLst>
-            </a:blip>
-            <a:srcRect l="10770" t="2947" r="11464"/>
-            <a:stretch/>
-          </p:blipFill>
-          <p:spPr>
-            <a:xfrm>
-              <a:off x="17038119" y="2494156"/>
-              <a:ext cx="1116528" cy="1097280"/>
-            </a:xfrm>
-            <a:prstGeom prst="rect">
-              <a:avLst/>
-            </a:prstGeom>
-          </p:spPr>
-        </p:pic>
-        <p:sp>
-          <p:nvSpPr>
-            <p:cNvPr id="87" name="Rounded Rectangle 86"/>
-            <p:cNvSpPr/>
-            <p:nvPr/>
-          </p:nvSpPr>
-          <p:spPr>
-            <a:xfrm>
-              <a:off x="-92211" y="3534451"/>
-              <a:ext cx="13789152" cy="1042416"/>
-            </a:xfrm>
-            <a:prstGeom prst="roundRect">
-              <a:avLst/>
-            </a:prstGeom>
-            <a:noFill/>
-            <a:ln w="63500">
-              <a:noFill/>
-              <a:prstDash val="sysDash"/>
-            </a:ln>
-          </p:spPr>
-          <p:style>
-            <a:lnRef idx="2">
-              <a:schemeClr val="accent1">
-                <a:shade val="50000"/>
-              </a:schemeClr>
-            </a:lnRef>
-            <a:fillRef idx="1">
-              <a:schemeClr val="accent1"/>
-            </a:fillRef>
-            <a:effectRef idx="0">
-              <a:schemeClr val="accent1"/>
-            </a:effectRef>
-            <a:fontRef idx="minor">
-              <a:schemeClr val="lt1"/>
-            </a:fontRef>
-          </p:style>
-          <p:txBody>
-            <a:bodyPr rtlCol="0" anchor="ctr"/>
-            <a:lstStyle/>
-            <a:p>
-              <a:pPr algn="ctr"/>
-              <a:r>
-                <a:rPr lang="en-US" sz="4000" dirty="0">
-                  <a:solidFill>
-                    <a:schemeClr val="tx1"/>
-                  </a:solidFill>
-                </a:rPr>
-                <a:t>Find number of fiber bundles from the  color-mapped eigenvector of hessian matrix</a:t>
-              </a:r>
-              <a:endParaRPr lang="en-US" sz="4000" dirty="0">
-                <a:solidFill>
-                  <a:schemeClr val="tx1"/>
-                </a:solidFill>
-              </a:endParaRPr>
-            </a:p>
-          </p:txBody>
-        </p:sp>
-        <p:pic>
-          <p:nvPicPr>
-            <p:cNvPr id="88" name="Picture 87"/>
-            <p:cNvPicPr>
-              <a:picLocks noChangeAspect="1"/>
-            </p:cNvPicPr>
-            <p:nvPr/>
-          </p:nvPicPr>
-          <p:blipFill rotWithShape="1">
-            <a:blip r:embed="rId5" cstate="print">
-              <a:extLst>
-                <a:ext uri="{28A0092B-C50C-407E-A947-70E740481C1C}">
-                  <a14:useLocalDpi xmlns:a14="http://schemas.microsoft.com/office/drawing/2010/main" val="0"/>
-                </a:ext>
-              </a:extLst>
-            </a:blip>
-            <a:srcRect l="9873" r="11267"/>
-            <a:stretch/>
-          </p:blipFill>
-          <p:spPr>
-            <a:xfrm>
-              <a:off x="17032078" y="3746364"/>
-              <a:ext cx="1128611" cy="1097280"/>
-            </a:xfrm>
-            <a:prstGeom prst="rect">
-              <a:avLst/>
-            </a:prstGeom>
-          </p:spPr>
-        </p:pic>
-        <p:sp>
-          <p:nvSpPr>
-            <p:cNvPr id="89" name="Rounded Rectangle 88"/>
-            <p:cNvSpPr/>
-            <p:nvPr/>
-          </p:nvSpPr>
-          <p:spPr>
-            <a:xfrm>
-              <a:off x="-92211" y="6052301"/>
-              <a:ext cx="13757512" cy="466344"/>
-            </a:xfrm>
-            <a:prstGeom prst="roundRect">
-              <a:avLst/>
-            </a:prstGeom>
-            <a:noFill/>
-            <a:ln w="63500">
-              <a:noFill/>
-              <a:prstDash val="sysDash"/>
-            </a:ln>
-          </p:spPr>
-          <p:style>
-            <a:lnRef idx="2">
-              <a:schemeClr val="accent1">
-                <a:shade val="50000"/>
-              </a:schemeClr>
-            </a:lnRef>
-            <a:fillRef idx="1">
-              <a:schemeClr val="accent1"/>
-            </a:fillRef>
-            <a:effectRef idx="0">
-              <a:schemeClr val="accent1"/>
-            </a:effectRef>
-            <a:fontRef idx="minor">
-              <a:schemeClr val="lt1"/>
-            </a:fontRef>
-          </p:style>
-          <p:txBody>
-            <a:bodyPr rtlCol="0" anchor="ctr"/>
-            <a:lstStyle/>
-            <a:p>
-              <a:pPr algn="ctr"/>
-              <a:r>
-                <a:rPr lang="en-US" sz="4000" dirty="0">
-                  <a:solidFill>
-                    <a:schemeClr val="tx1"/>
-                  </a:solidFill>
-                </a:rPr>
-                <a:t>Find number of fiber bundles from MetaTracts fiber bundles</a:t>
-              </a:r>
-              <a:endParaRPr lang="en-US" sz="4000" dirty="0">
-                <a:solidFill>
-                  <a:schemeClr val="tx1"/>
-                </a:solidFill>
-              </a:endParaRPr>
-            </a:p>
-          </p:txBody>
-        </p:sp>
-        <p:pic>
-          <p:nvPicPr>
-            <p:cNvPr id="90" name="Picture 89"/>
-            <p:cNvPicPr>
-              <a:picLocks noChangeAspect="1"/>
-            </p:cNvPicPr>
-            <p:nvPr/>
-          </p:nvPicPr>
-          <p:blipFill rotWithShape="1">
-            <a:blip r:embed="rId2" cstate="print">
-              <a:extLst>
-                <a:ext uri="{28A0092B-C50C-407E-A947-70E740481C1C}">
-                  <a14:useLocalDpi xmlns:a14="http://schemas.microsoft.com/office/drawing/2010/main" val="0"/>
-                </a:ext>
-              </a:extLst>
-            </a:blip>
-            <a:srcRect t="-2875" b="-2875"/>
-            <a:stretch/>
-          </p:blipFill>
-          <p:spPr>
-            <a:xfrm>
-              <a:off x="16995032" y="5828273"/>
-              <a:ext cx="1202703" cy="1097280"/>
-            </a:xfrm>
-            <a:prstGeom prst="rect">
-              <a:avLst/>
-            </a:prstGeom>
-          </p:spPr>
-        </p:pic>
-        <p:sp>
-          <p:nvSpPr>
-            <p:cNvPr id="91" name="Rounded Rectangle 90"/>
-            <p:cNvSpPr/>
-            <p:nvPr/>
-          </p:nvSpPr>
-          <p:spPr>
-            <a:xfrm>
-              <a:off x="-92211" y="11015464"/>
-              <a:ext cx="13789118" cy="466344"/>
-            </a:xfrm>
-            <a:prstGeom prst="roundRect">
-              <a:avLst/>
-            </a:prstGeom>
-            <a:noFill/>
-            <a:ln w="63500">
-              <a:noFill/>
-              <a:prstDash val="sysDash"/>
-            </a:ln>
-          </p:spPr>
-          <p:style>
-            <a:lnRef idx="2">
-              <a:schemeClr val="accent1">
-                <a:shade val="50000"/>
-              </a:schemeClr>
-            </a:lnRef>
-            <a:fillRef idx="1">
-              <a:schemeClr val="accent1"/>
-            </a:fillRef>
-            <a:effectRef idx="0">
-              <a:schemeClr val="accent1"/>
-            </a:effectRef>
-            <a:fontRef idx="minor">
-              <a:schemeClr val="lt1"/>
-            </a:fontRef>
-          </p:style>
-          <p:txBody>
-            <a:bodyPr rtlCol="0" anchor="ctr"/>
-            <a:lstStyle/>
-            <a:p>
-              <a:pPr algn="ctr"/>
-              <a:r>
-                <a:rPr lang="en-US" sz="4000" dirty="0">
-                  <a:solidFill>
-                    <a:schemeClr val="tx1"/>
-                  </a:solidFill>
-                </a:rPr>
-                <a:t>Find smallest fiber bundle from set of MetaTracts fiber bundles</a:t>
-              </a:r>
-              <a:endParaRPr lang="en-US" sz="4000" dirty="0">
-                <a:solidFill>
-                  <a:schemeClr val="tx1"/>
-                </a:solidFill>
-              </a:endParaRPr>
-            </a:p>
-          </p:txBody>
-        </p:sp>
-        <p:sp>
-          <p:nvSpPr>
-            <p:cNvPr id="92" name="Rounded Rectangle 91"/>
-            <p:cNvSpPr/>
-            <p:nvPr/>
-          </p:nvSpPr>
-          <p:spPr>
-            <a:xfrm>
-              <a:off x="-92211" y="9679880"/>
-              <a:ext cx="13789118" cy="892270"/>
-            </a:xfrm>
-            <a:prstGeom prst="roundRect">
-              <a:avLst/>
-            </a:prstGeom>
-            <a:noFill/>
-            <a:ln w="63500">
-              <a:noFill/>
-              <a:prstDash val="sysDash"/>
-            </a:ln>
-          </p:spPr>
-          <p:style>
-            <a:lnRef idx="2">
-              <a:schemeClr val="accent1">
-                <a:shade val="50000"/>
-              </a:schemeClr>
-            </a:lnRef>
-            <a:fillRef idx="1">
-              <a:schemeClr val="accent1"/>
-            </a:fillRef>
-            <a:effectRef idx="0">
-              <a:schemeClr val="accent1"/>
-            </a:effectRef>
-            <a:fontRef idx="minor">
-              <a:schemeClr val="lt1"/>
-            </a:fontRef>
-          </p:style>
-          <p:txBody>
-            <a:bodyPr rtlCol="0" anchor="ctr"/>
-            <a:lstStyle/>
-            <a:p>
-              <a:r>
-                <a:rPr lang="en-US" sz="4000" dirty="0">
-                  <a:solidFill>
-                    <a:schemeClr val="tx1"/>
-                  </a:solidFill>
-                </a:rPr>
-                <a:t>Find  largest fiber bundle from set of MetaTracts fiber bundles</a:t>
-              </a:r>
-              <a:endParaRPr lang="en-US" sz="4000" dirty="0">
-                <a:solidFill>
-                  <a:schemeClr val="tx1"/>
-                </a:solidFill>
-              </a:endParaRPr>
-            </a:p>
-          </p:txBody>
-        </p:sp>
-        <p:sp>
-          <p:nvSpPr>
-            <p:cNvPr id="93" name="Rounded Rectangle 92"/>
-            <p:cNvSpPr/>
-            <p:nvPr/>
-          </p:nvSpPr>
-          <p:spPr>
-            <a:xfrm>
-              <a:off x="-92211" y="12005497"/>
-              <a:ext cx="13789118" cy="1042416"/>
-            </a:xfrm>
-            <a:prstGeom prst="roundRect">
-              <a:avLst/>
-            </a:prstGeom>
-            <a:noFill/>
-            <a:ln w="63500">
-              <a:noFill/>
-              <a:prstDash val="sysDash"/>
-            </a:ln>
-          </p:spPr>
-          <p:style>
-            <a:lnRef idx="2">
-              <a:schemeClr val="accent1">
-                <a:shade val="50000"/>
-              </a:schemeClr>
-            </a:lnRef>
-            <a:fillRef idx="1">
-              <a:schemeClr val="accent1"/>
-            </a:fillRef>
-            <a:effectRef idx="0">
-              <a:schemeClr val="accent1"/>
-            </a:effectRef>
-            <a:fontRef idx="minor">
-              <a:schemeClr val="lt1"/>
-            </a:fontRef>
-          </p:style>
-          <p:txBody>
-            <a:bodyPr rtlCol="0" anchor="ctr"/>
-            <a:lstStyle/>
-            <a:p>
-              <a:pPr algn="ctr"/>
-              <a:r>
-                <a:rPr lang="en-US" sz="4000" dirty="0">
-                  <a:solidFill>
-                    <a:schemeClr val="tx1"/>
-                  </a:solidFill>
-                </a:rPr>
-                <a:t>Find most similar fiber bundle to given fiber bundle, from MetaTracts extracted bundles</a:t>
-              </a:r>
-              <a:endParaRPr lang="en-US" sz="4000" dirty="0">
-                <a:solidFill>
-                  <a:schemeClr val="tx1"/>
-                </a:solidFill>
-              </a:endParaRPr>
-            </a:p>
-          </p:txBody>
-        </p:sp>
         <p:cxnSp>
           <p:nvCxnSpPr>
-            <p:cNvPr id="94" name="Straight Connector 93"/>
+            <p:cNvPr id="103" name="Straight Connector 102"/>
             <p:cNvCxnSpPr/>
             <p:nvPr/>
           </p:nvCxnSpPr>
           <p:spPr>
-            <a:xfrm>
-              <a:off x="96351" y="2429683"/>
-              <a:ext cx="17921176" cy="0"/>
+            <a:xfrm rot="5520000" flipV="1">
+              <a:off x="15573340" y="8555301"/>
+              <a:ext cx="365760" cy="561"/>
             </a:xfrm>
             <a:prstGeom prst="line">
               <a:avLst/>
             </a:prstGeom>
-            <a:ln w="38100">
+            <a:ln w="63500">
               <a:solidFill>
                 <a:schemeClr val="tx1"/>
               </a:solidFill>
@@ -3855,1204 +4661,23 @@
             </a:fontRef>
           </p:style>
         </p:cxnSp>
-        <p:grpSp>
-          <p:nvGrpSpPr>
-            <p:cNvPr id="95" name="Group 94"/>
-            <p:cNvGrpSpPr/>
-            <p:nvPr/>
-          </p:nvGrpSpPr>
-          <p:grpSpPr>
-            <a:xfrm>
-              <a:off x="13921166" y="1823042"/>
-              <a:ext cx="3032589" cy="14513066"/>
-              <a:chOff x="14218561" y="858768"/>
-              <a:chExt cx="3032589" cy="17360042"/>
-            </a:xfrm>
-          </p:grpSpPr>
-          <p:sp>
-            <p:nvSpPr>
-              <p:cNvPr id="122" name="TextBox 121"/>
-              <p:cNvSpPr txBox="1"/>
-              <p:nvPr/>
-            </p:nvSpPr>
-            <p:spPr>
-              <a:xfrm>
-                <a:off x="14218561" y="858768"/>
-                <a:ext cx="3032589" cy="749727"/>
-              </a:xfrm>
-              <a:prstGeom prst="rect">
-                <a:avLst/>
-              </a:prstGeom>
-              <a:noFill/>
-            </p:spPr>
-            <p:txBody>
-              <a:bodyPr wrap="square" rtlCol="0">
-                <a:spAutoFit/>
-              </a:bodyPr>
-              <a:lstStyle/>
-              <a:p>
-                <a:r>
-                  <a:rPr lang="en-US" dirty="0">
-                    <a:latin typeface="Calibri Light" panose="020F0302020204030204" pitchFamily="34" charset="0"/>
-                  </a:rPr>
-                  <a:t>1   2   3   4   5</a:t>
-                </a:r>
-              </a:p>
-            </p:txBody>
-          </p:sp>
-          <p:grpSp>
-            <p:nvGrpSpPr>
-              <p:cNvPr id="123" name="Group 122"/>
-              <p:cNvGrpSpPr/>
-              <p:nvPr/>
-            </p:nvGrpSpPr>
-            <p:grpSpPr>
-              <a:xfrm>
-                <a:off x="14400499" y="1497732"/>
-                <a:ext cx="2101493" cy="16721078"/>
-                <a:chOff x="6652944" y="249158"/>
-                <a:chExt cx="2101493" cy="10048125"/>
-              </a:xfrm>
-            </p:grpSpPr>
-            <p:cxnSp>
-              <p:nvCxnSpPr>
-                <p:cNvPr id="124" name="Straight Connector 123"/>
-                <p:cNvCxnSpPr/>
-                <p:nvPr/>
-              </p:nvCxnSpPr>
-              <p:spPr>
-                <a:xfrm flipH="1">
-                  <a:off x="6652944" y="249158"/>
-                  <a:ext cx="30822" cy="10048125"/>
-                </a:xfrm>
-                <a:prstGeom prst="line">
-                  <a:avLst/>
-                </a:prstGeom>
-                <a:ln w="25400">
-                  <a:solidFill>
-                    <a:schemeClr val="tx1"/>
-                  </a:solidFill>
-                </a:ln>
-              </p:spPr>
-              <p:style>
-                <a:lnRef idx="1">
-                  <a:schemeClr val="accent1"/>
-                </a:lnRef>
-                <a:fillRef idx="0">
-                  <a:schemeClr val="accent1"/>
-                </a:fillRef>
-                <a:effectRef idx="0">
-                  <a:schemeClr val="accent1"/>
-                </a:effectRef>
-                <a:fontRef idx="minor">
-                  <a:schemeClr val="tx1"/>
-                </a:fontRef>
-              </p:style>
-            </p:cxnSp>
-            <p:cxnSp>
-              <p:nvCxnSpPr>
-                <p:cNvPr id="125" name="Straight Connector 124"/>
-                <p:cNvCxnSpPr/>
-                <p:nvPr/>
-              </p:nvCxnSpPr>
-              <p:spPr>
-                <a:xfrm flipH="1">
-                  <a:off x="6911778" y="249158"/>
-                  <a:ext cx="30822" cy="10048125"/>
-                </a:xfrm>
-                <a:prstGeom prst="line">
-                  <a:avLst/>
-                </a:prstGeom>
-                <a:ln w="25400">
-                  <a:solidFill>
-                    <a:schemeClr val="bg1">
-                      <a:lumMod val="50000"/>
-                    </a:schemeClr>
-                  </a:solidFill>
-                  <a:prstDash val="dash"/>
-                </a:ln>
-              </p:spPr>
-              <p:style>
-                <a:lnRef idx="1">
-                  <a:schemeClr val="accent1"/>
-                </a:lnRef>
-                <a:fillRef idx="0">
-                  <a:schemeClr val="accent1"/>
-                </a:fillRef>
-                <a:effectRef idx="0">
-                  <a:schemeClr val="accent1"/>
-                </a:effectRef>
-                <a:fontRef idx="minor">
-                  <a:schemeClr val="tx1"/>
-                </a:fontRef>
-              </p:style>
-            </p:cxnSp>
-            <p:cxnSp>
-              <p:nvCxnSpPr>
-                <p:cNvPr id="126" name="Straight Connector 125"/>
-                <p:cNvCxnSpPr/>
-                <p:nvPr/>
-              </p:nvCxnSpPr>
-              <p:spPr>
-                <a:xfrm flipH="1">
-                  <a:off x="7170612" y="249158"/>
-                  <a:ext cx="30822" cy="10048125"/>
-                </a:xfrm>
-                <a:prstGeom prst="line">
-                  <a:avLst/>
-                </a:prstGeom>
-                <a:ln w="25400">
-                  <a:solidFill>
-                    <a:schemeClr val="tx1"/>
-                  </a:solidFill>
-                </a:ln>
-              </p:spPr>
-              <p:style>
-                <a:lnRef idx="1">
-                  <a:schemeClr val="accent1"/>
-                </a:lnRef>
-                <a:fillRef idx="0">
-                  <a:schemeClr val="accent1"/>
-                </a:fillRef>
-                <a:effectRef idx="0">
-                  <a:schemeClr val="accent1"/>
-                </a:effectRef>
-                <a:fontRef idx="minor">
-                  <a:schemeClr val="tx1"/>
-                </a:fontRef>
-              </p:style>
-            </p:cxnSp>
-            <p:cxnSp>
-              <p:nvCxnSpPr>
-                <p:cNvPr id="127" name="Straight Connector 126"/>
-                <p:cNvCxnSpPr/>
-                <p:nvPr/>
-              </p:nvCxnSpPr>
-              <p:spPr>
-                <a:xfrm flipH="1">
-                  <a:off x="7429446" y="249158"/>
-                  <a:ext cx="30822" cy="10048125"/>
-                </a:xfrm>
-                <a:prstGeom prst="line">
-                  <a:avLst/>
-                </a:prstGeom>
-                <a:ln w="25400">
-                  <a:solidFill>
-                    <a:schemeClr val="bg1">
-                      <a:lumMod val="50000"/>
-                    </a:schemeClr>
-                  </a:solidFill>
-                  <a:prstDash val="dash"/>
-                </a:ln>
-              </p:spPr>
-              <p:style>
-                <a:lnRef idx="1">
-                  <a:schemeClr val="accent1"/>
-                </a:lnRef>
-                <a:fillRef idx="0">
-                  <a:schemeClr val="accent1"/>
-                </a:fillRef>
-                <a:effectRef idx="0">
-                  <a:schemeClr val="accent1"/>
-                </a:effectRef>
-                <a:fontRef idx="minor">
-                  <a:schemeClr val="tx1"/>
-                </a:fontRef>
-              </p:style>
-            </p:cxnSp>
-            <p:cxnSp>
-              <p:nvCxnSpPr>
-                <p:cNvPr id="128" name="Straight Connector 127"/>
-                <p:cNvCxnSpPr/>
-                <p:nvPr/>
-              </p:nvCxnSpPr>
-              <p:spPr>
-                <a:xfrm flipH="1">
-                  <a:off x="7688280" y="249158"/>
-                  <a:ext cx="30822" cy="10048125"/>
-                </a:xfrm>
-                <a:prstGeom prst="line">
-                  <a:avLst/>
-                </a:prstGeom>
-                <a:ln w="25400">
-                  <a:solidFill>
-                    <a:schemeClr val="tx1"/>
-                  </a:solidFill>
-                </a:ln>
-              </p:spPr>
-              <p:style>
-                <a:lnRef idx="1">
-                  <a:schemeClr val="accent1"/>
-                </a:lnRef>
-                <a:fillRef idx="0">
-                  <a:schemeClr val="accent1"/>
-                </a:fillRef>
-                <a:effectRef idx="0">
-                  <a:schemeClr val="accent1"/>
-                </a:effectRef>
-                <a:fontRef idx="minor">
-                  <a:schemeClr val="tx1"/>
-                </a:fontRef>
-              </p:style>
-            </p:cxnSp>
-            <p:cxnSp>
-              <p:nvCxnSpPr>
-                <p:cNvPr id="129" name="Straight Connector 128"/>
-                <p:cNvCxnSpPr/>
-                <p:nvPr/>
-              </p:nvCxnSpPr>
-              <p:spPr>
-                <a:xfrm flipH="1">
-                  <a:off x="7947114" y="249158"/>
-                  <a:ext cx="30822" cy="10048125"/>
-                </a:xfrm>
-                <a:prstGeom prst="line">
-                  <a:avLst/>
-                </a:prstGeom>
-                <a:ln w="25400">
-                  <a:solidFill>
-                    <a:schemeClr val="bg1">
-                      <a:lumMod val="50000"/>
-                    </a:schemeClr>
-                  </a:solidFill>
-                  <a:prstDash val="dash"/>
-                </a:ln>
-              </p:spPr>
-              <p:style>
-                <a:lnRef idx="1">
-                  <a:schemeClr val="accent1"/>
-                </a:lnRef>
-                <a:fillRef idx="0">
-                  <a:schemeClr val="accent1"/>
-                </a:fillRef>
-                <a:effectRef idx="0">
-                  <a:schemeClr val="accent1"/>
-                </a:effectRef>
-                <a:fontRef idx="minor">
-                  <a:schemeClr val="tx1"/>
-                </a:fontRef>
-              </p:style>
-            </p:cxnSp>
-            <p:cxnSp>
-              <p:nvCxnSpPr>
-                <p:cNvPr id="130" name="Straight Connector 129"/>
-                <p:cNvCxnSpPr/>
-                <p:nvPr/>
-              </p:nvCxnSpPr>
-              <p:spPr>
-                <a:xfrm flipH="1">
-                  <a:off x="8205948" y="249158"/>
-                  <a:ext cx="30822" cy="10048125"/>
-                </a:xfrm>
-                <a:prstGeom prst="line">
-                  <a:avLst/>
-                </a:prstGeom>
-                <a:ln w="25400">
-                  <a:solidFill>
-                    <a:schemeClr val="tx1"/>
-                  </a:solidFill>
-                </a:ln>
-              </p:spPr>
-              <p:style>
-                <a:lnRef idx="1">
-                  <a:schemeClr val="accent1"/>
-                </a:lnRef>
-                <a:fillRef idx="0">
-                  <a:schemeClr val="accent1"/>
-                </a:fillRef>
-                <a:effectRef idx="0">
-                  <a:schemeClr val="accent1"/>
-                </a:effectRef>
-                <a:fontRef idx="minor">
-                  <a:schemeClr val="tx1"/>
-                </a:fontRef>
-              </p:style>
-            </p:cxnSp>
-            <p:cxnSp>
-              <p:nvCxnSpPr>
-                <p:cNvPr id="131" name="Straight Connector 130"/>
-                <p:cNvCxnSpPr/>
-                <p:nvPr/>
-              </p:nvCxnSpPr>
-              <p:spPr>
-                <a:xfrm flipH="1">
-                  <a:off x="8464782" y="249158"/>
-                  <a:ext cx="30822" cy="10048125"/>
-                </a:xfrm>
-                <a:prstGeom prst="line">
-                  <a:avLst/>
-                </a:prstGeom>
-                <a:ln w="25400">
-                  <a:solidFill>
-                    <a:schemeClr val="bg1">
-                      <a:lumMod val="50000"/>
-                    </a:schemeClr>
-                  </a:solidFill>
-                  <a:prstDash val="dash"/>
-                </a:ln>
-              </p:spPr>
-              <p:style>
-                <a:lnRef idx="1">
-                  <a:schemeClr val="accent1"/>
-                </a:lnRef>
-                <a:fillRef idx="0">
-                  <a:schemeClr val="accent1"/>
-                </a:fillRef>
-                <a:effectRef idx="0">
-                  <a:schemeClr val="accent1"/>
-                </a:effectRef>
-                <a:fontRef idx="minor">
-                  <a:schemeClr val="tx1"/>
-                </a:fontRef>
-              </p:style>
-            </p:cxnSp>
-            <p:cxnSp>
-              <p:nvCxnSpPr>
-                <p:cNvPr id="132" name="Straight Connector 131"/>
-                <p:cNvCxnSpPr/>
-                <p:nvPr/>
-              </p:nvCxnSpPr>
-              <p:spPr>
-                <a:xfrm flipH="1">
-                  <a:off x="8723615" y="249158"/>
-                  <a:ext cx="30822" cy="10048125"/>
-                </a:xfrm>
-                <a:prstGeom prst="line">
-                  <a:avLst/>
-                </a:prstGeom>
-                <a:ln w="25400">
-                  <a:solidFill>
-                    <a:schemeClr val="tx1"/>
-                  </a:solidFill>
-                </a:ln>
-              </p:spPr>
-              <p:style>
-                <a:lnRef idx="1">
-                  <a:schemeClr val="accent1"/>
-                </a:lnRef>
-                <a:fillRef idx="0">
-                  <a:schemeClr val="accent1"/>
-                </a:fillRef>
-                <a:effectRef idx="0">
-                  <a:schemeClr val="accent1"/>
-                </a:effectRef>
-                <a:fontRef idx="minor">
-                  <a:schemeClr val="tx1"/>
-                </a:fontRef>
-              </p:style>
-            </p:cxnSp>
-          </p:grpSp>
-        </p:grpSp>
-        <p:grpSp>
-          <p:nvGrpSpPr>
-            <p:cNvPr id="96" name="Group 95"/>
-            <p:cNvGrpSpPr/>
-            <p:nvPr/>
-          </p:nvGrpSpPr>
-          <p:grpSpPr>
-            <a:xfrm>
-              <a:off x="14616741" y="5038705"/>
-              <a:ext cx="1583454" cy="548640"/>
-              <a:chOff x="14933710" y="4713257"/>
-              <a:chExt cx="1583454" cy="548640"/>
-            </a:xfrm>
-          </p:grpSpPr>
-          <p:cxnSp>
-            <p:nvCxnSpPr>
-              <p:cNvPr id="118" name="Straight Connector 117"/>
-              <p:cNvCxnSpPr/>
-              <p:nvPr/>
-            </p:nvCxnSpPr>
-            <p:spPr>
-              <a:xfrm flipV="1">
-                <a:off x="14933710" y="4986179"/>
-                <a:ext cx="1583454" cy="2796"/>
-              </a:xfrm>
-              <a:prstGeom prst="line">
-                <a:avLst/>
-              </a:prstGeom>
-              <a:ln w="63500">
-                <a:solidFill>
-                  <a:schemeClr val="tx1"/>
-                </a:solidFill>
-                <a:prstDash val="sysDash"/>
-              </a:ln>
-            </p:spPr>
-            <p:style>
-              <a:lnRef idx="1">
-                <a:schemeClr val="accent1"/>
-              </a:lnRef>
-              <a:fillRef idx="0">
-                <a:schemeClr val="accent1"/>
-              </a:fillRef>
-              <a:effectRef idx="0">
-                <a:schemeClr val="accent1"/>
-              </a:effectRef>
-              <a:fontRef idx="minor">
-                <a:schemeClr val="tx1"/>
-              </a:fontRef>
-            </p:style>
-          </p:cxnSp>
-          <p:cxnSp>
-            <p:nvCxnSpPr>
-              <p:cNvPr id="119" name="Straight Connector 118"/>
-              <p:cNvCxnSpPr/>
-              <p:nvPr/>
-            </p:nvCxnSpPr>
-            <p:spPr>
-              <a:xfrm rot="5520000" flipV="1">
-                <a:off x="14757723" y="4987297"/>
-                <a:ext cx="365760" cy="561"/>
-              </a:xfrm>
-              <a:prstGeom prst="line">
-                <a:avLst/>
-              </a:prstGeom>
-              <a:ln w="63500">
-                <a:solidFill>
-                  <a:schemeClr val="tx1"/>
-                </a:solidFill>
-                <a:prstDash val="solid"/>
-              </a:ln>
-            </p:spPr>
-            <p:style>
-              <a:lnRef idx="1">
-                <a:schemeClr val="accent1"/>
-              </a:lnRef>
-              <a:fillRef idx="0">
-                <a:schemeClr val="accent1"/>
-              </a:fillRef>
-              <a:effectRef idx="0">
-                <a:schemeClr val="accent1"/>
-              </a:effectRef>
-              <a:fontRef idx="minor">
-                <a:schemeClr val="tx1"/>
-              </a:fontRef>
-            </p:style>
-          </p:cxnSp>
-          <p:cxnSp>
-            <p:nvCxnSpPr>
-              <p:cNvPr id="120" name="Straight Connector 119"/>
-              <p:cNvCxnSpPr/>
-              <p:nvPr/>
-            </p:nvCxnSpPr>
-            <p:spPr>
-              <a:xfrm rot="5520000" flipV="1">
-                <a:off x="16326452" y="4987297"/>
-                <a:ext cx="365760" cy="561"/>
-              </a:xfrm>
-              <a:prstGeom prst="line">
-                <a:avLst/>
-              </a:prstGeom>
-              <a:ln w="63500">
-                <a:solidFill>
-                  <a:schemeClr val="tx1"/>
-                </a:solidFill>
-                <a:prstDash val="solid"/>
-              </a:ln>
-            </p:spPr>
-            <p:style>
-              <a:lnRef idx="1">
-                <a:schemeClr val="accent1"/>
-              </a:lnRef>
-              <a:fillRef idx="0">
-                <a:schemeClr val="accent1"/>
-              </a:fillRef>
-              <a:effectRef idx="0">
-                <a:schemeClr val="accent1"/>
-              </a:effectRef>
-              <a:fontRef idx="minor">
-                <a:schemeClr val="tx1"/>
-              </a:fontRef>
-            </p:style>
-          </p:cxnSp>
-          <p:cxnSp>
-            <p:nvCxnSpPr>
-              <p:cNvPr id="121" name="Straight Connector 120"/>
-              <p:cNvCxnSpPr/>
-              <p:nvPr/>
-            </p:nvCxnSpPr>
-            <p:spPr>
-              <a:xfrm>
-                <a:off x="15930917" y="4713257"/>
-                <a:ext cx="0" cy="548640"/>
-              </a:xfrm>
-              <a:prstGeom prst="line">
-                <a:avLst/>
-              </a:prstGeom>
-              <a:ln w="127000">
-                <a:solidFill>
-                  <a:srgbClr val="70AD47"/>
-                </a:solidFill>
-              </a:ln>
-            </p:spPr>
-            <p:style>
-              <a:lnRef idx="1">
-                <a:schemeClr val="accent1"/>
-              </a:lnRef>
-              <a:fillRef idx="0">
-                <a:schemeClr val="accent1"/>
-              </a:fillRef>
-              <a:effectRef idx="0">
-                <a:schemeClr val="accent1"/>
-              </a:effectRef>
-              <a:fontRef idx="minor">
-                <a:schemeClr val="tx1"/>
-              </a:fontRef>
-            </p:style>
-          </p:cxnSp>
-        </p:grpSp>
-        <p:grpSp>
-          <p:nvGrpSpPr>
-            <p:cNvPr id="97" name="Group 96"/>
-            <p:cNvGrpSpPr/>
-            <p:nvPr/>
-          </p:nvGrpSpPr>
-          <p:grpSpPr>
-            <a:xfrm>
-              <a:off x="14595735" y="13783320"/>
-              <a:ext cx="1604460" cy="548640"/>
-              <a:chOff x="14892957" y="15140081"/>
-              <a:chExt cx="1604460" cy="548640"/>
-            </a:xfrm>
-          </p:grpSpPr>
-          <p:cxnSp>
-            <p:nvCxnSpPr>
-              <p:cNvPr id="114" name="Straight Connector 113"/>
-              <p:cNvCxnSpPr/>
-              <p:nvPr/>
-            </p:nvCxnSpPr>
-            <p:spPr>
-              <a:xfrm flipV="1">
-                <a:off x="14928769" y="15413003"/>
-                <a:ext cx="1554480" cy="2796"/>
-              </a:xfrm>
-              <a:prstGeom prst="line">
-                <a:avLst/>
-              </a:prstGeom>
-              <a:ln w="63500">
-                <a:solidFill>
-                  <a:schemeClr val="tx1"/>
-                </a:solidFill>
-                <a:prstDash val="sysDash"/>
-              </a:ln>
-            </p:spPr>
-            <p:style>
-              <a:lnRef idx="1">
-                <a:schemeClr val="accent1"/>
-              </a:lnRef>
-              <a:fillRef idx="0">
-                <a:schemeClr val="accent1"/>
-              </a:fillRef>
-              <a:effectRef idx="0">
-                <a:schemeClr val="accent1"/>
-              </a:effectRef>
-              <a:fontRef idx="minor">
-                <a:schemeClr val="tx1"/>
-              </a:fontRef>
-            </p:style>
-          </p:cxnSp>
-          <p:cxnSp>
-            <p:nvCxnSpPr>
-              <p:cNvPr id="115" name="Straight Connector 114"/>
-              <p:cNvCxnSpPr/>
-              <p:nvPr/>
-            </p:nvCxnSpPr>
-            <p:spPr>
-              <a:xfrm rot="5520000" flipV="1">
-                <a:off x="14710358" y="15414121"/>
-                <a:ext cx="365760" cy="561"/>
-              </a:xfrm>
-              <a:prstGeom prst="line">
-                <a:avLst/>
-              </a:prstGeom>
-              <a:ln w="63500">
-                <a:solidFill>
-                  <a:schemeClr val="tx1"/>
-                </a:solidFill>
-                <a:prstDash val="solid"/>
-              </a:ln>
-            </p:spPr>
-            <p:style>
-              <a:lnRef idx="1">
-                <a:schemeClr val="accent1"/>
-              </a:lnRef>
-              <a:fillRef idx="0">
-                <a:schemeClr val="accent1"/>
-              </a:fillRef>
-              <a:effectRef idx="0">
-                <a:schemeClr val="accent1"/>
-              </a:effectRef>
-              <a:fontRef idx="minor">
-                <a:schemeClr val="tx1"/>
-              </a:fontRef>
-            </p:style>
-          </p:cxnSp>
-          <p:cxnSp>
-            <p:nvCxnSpPr>
-              <p:cNvPr id="116" name="Straight Connector 115"/>
-              <p:cNvCxnSpPr/>
-              <p:nvPr/>
-            </p:nvCxnSpPr>
-            <p:spPr>
-              <a:xfrm rot="5520000" flipV="1">
-                <a:off x="16314257" y="15414121"/>
-                <a:ext cx="365760" cy="561"/>
-              </a:xfrm>
-              <a:prstGeom prst="line">
-                <a:avLst/>
-              </a:prstGeom>
-              <a:ln w="63500">
-                <a:solidFill>
-                  <a:schemeClr val="tx1"/>
-                </a:solidFill>
-                <a:prstDash val="solid"/>
-              </a:ln>
-            </p:spPr>
-            <p:style>
-              <a:lnRef idx="1">
-                <a:schemeClr val="accent1"/>
-              </a:lnRef>
-              <a:fillRef idx="0">
-                <a:schemeClr val="accent1"/>
-              </a:fillRef>
-              <a:effectRef idx="0">
-                <a:schemeClr val="accent1"/>
-              </a:effectRef>
-              <a:fontRef idx="minor">
-                <a:schemeClr val="tx1"/>
-              </a:fontRef>
-            </p:style>
-          </p:cxnSp>
-          <p:cxnSp>
-            <p:nvCxnSpPr>
-              <p:cNvPr id="117" name="Straight Connector 116"/>
-              <p:cNvCxnSpPr/>
-              <p:nvPr/>
-            </p:nvCxnSpPr>
-            <p:spPr>
-              <a:xfrm>
-                <a:off x="16076987" y="15140081"/>
-                <a:ext cx="0" cy="548640"/>
-              </a:xfrm>
-              <a:prstGeom prst="line">
-                <a:avLst/>
-              </a:prstGeom>
-              <a:ln w="127000">
-                <a:solidFill>
-                  <a:srgbClr val="70AD47"/>
-                </a:solidFill>
-              </a:ln>
-            </p:spPr>
-            <p:style>
-              <a:lnRef idx="1">
-                <a:schemeClr val="accent1"/>
-              </a:lnRef>
-              <a:fillRef idx="0">
-                <a:schemeClr val="accent1"/>
-              </a:fillRef>
-              <a:effectRef idx="0">
-                <a:schemeClr val="accent1"/>
-              </a:effectRef>
-              <a:fontRef idx="minor">
-                <a:schemeClr val="tx1"/>
-              </a:fontRef>
-            </p:style>
-          </p:cxnSp>
-        </p:grpSp>
-        <p:grpSp>
-          <p:nvGrpSpPr>
-            <p:cNvPr id="98" name="Group 97"/>
-            <p:cNvGrpSpPr/>
-            <p:nvPr/>
-          </p:nvGrpSpPr>
-          <p:grpSpPr>
-            <a:xfrm>
-              <a:off x="15140868" y="15313919"/>
-              <a:ext cx="1059327" cy="548640"/>
-              <a:chOff x="15419193" y="16877912"/>
-              <a:chExt cx="1059327" cy="548640"/>
-            </a:xfrm>
-          </p:grpSpPr>
-          <p:cxnSp>
-            <p:nvCxnSpPr>
-              <p:cNvPr id="110" name="Straight Connector 109"/>
-              <p:cNvCxnSpPr/>
-              <p:nvPr/>
-            </p:nvCxnSpPr>
-            <p:spPr>
-              <a:xfrm flipV="1">
-                <a:off x="15447752" y="17150834"/>
-                <a:ext cx="1005840" cy="2796"/>
-              </a:xfrm>
-              <a:prstGeom prst="line">
-                <a:avLst/>
-              </a:prstGeom>
-              <a:ln w="63500">
-                <a:solidFill>
-                  <a:schemeClr val="tx1"/>
-                </a:solidFill>
-                <a:prstDash val="sysDash"/>
-              </a:ln>
-            </p:spPr>
-            <p:style>
-              <a:lnRef idx="1">
-                <a:schemeClr val="accent1"/>
-              </a:lnRef>
-              <a:fillRef idx="0">
-                <a:schemeClr val="accent1"/>
-              </a:fillRef>
-              <a:effectRef idx="0">
-                <a:schemeClr val="accent1"/>
-              </a:effectRef>
-              <a:fontRef idx="minor">
-                <a:schemeClr val="tx1"/>
-              </a:fontRef>
-            </p:style>
-          </p:cxnSp>
-          <p:cxnSp>
-            <p:nvCxnSpPr>
-              <p:cNvPr id="111" name="Straight Connector 110"/>
-              <p:cNvCxnSpPr/>
-              <p:nvPr/>
-            </p:nvCxnSpPr>
-            <p:spPr>
-              <a:xfrm rot="5520000" flipV="1">
-                <a:off x="15236594" y="17151952"/>
-                <a:ext cx="365760" cy="561"/>
-              </a:xfrm>
-              <a:prstGeom prst="line">
-                <a:avLst/>
-              </a:prstGeom>
-              <a:ln w="63500">
-                <a:solidFill>
-                  <a:schemeClr val="tx1"/>
-                </a:solidFill>
-                <a:prstDash val="solid"/>
-              </a:ln>
-            </p:spPr>
-            <p:style>
-              <a:lnRef idx="1">
-                <a:schemeClr val="accent1"/>
-              </a:lnRef>
-              <a:fillRef idx="0">
-                <a:schemeClr val="accent1"/>
-              </a:fillRef>
-              <a:effectRef idx="0">
-                <a:schemeClr val="accent1"/>
-              </a:effectRef>
-              <a:fontRef idx="minor">
-                <a:schemeClr val="tx1"/>
-              </a:fontRef>
-            </p:style>
-          </p:cxnSp>
-          <p:cxnSp>
-            <p:nvCxnSpPr>
-              <p:cNvPr id="112" name="Straight Connector 111"/>
-              <p:cNvCxnSpPr/>
-              <p:nvPr/>
-            </p:nvCxnSpPr>
-            <p:spPr>
-              <a:xfrm rot="5520000" flipV="1">
-                <a:off x="16295360" y="17151952"/>
-                <a:ext cx="365760" cy="561"/>
-              </a:xfrm>
-              <a:prstGeom prst="line">
-                <a:avLst/>
-              </a:prstGeom>
-              <a:ln w="63500">
-                <a:solidFill>
-                  <a:schemeClr val="tx1"/>
-                </a:solidFill>
-                <a:prstDash val="solid"/>
-              </a:ln>
-            </p:spPr>
-            <p:style>
-              <a:lnRef idx="1">
-                <a:schemeClr val="accent1"/>
-              </a:lnRef>
-              <a:fillRef idx="0">
-                <a:schemeClr val="accent1"/>
-              </a:fillRef>
-              <a:effectRef idx="0">
-                <a:schemeClr val="accent1"/>
-              </a:effectRef>
-              <a:fontRef idx="minor">
-                <a:schemeClr val="tx1"/>
-              </a:fontRef>
-            </p:style>
-          </p:cxnSp>
-          <p:cxnSp>
-            <p:nvCxnSpPr>
-              <p:cNvPr id="113" name="Straight Connector 112"/>
-              <p:cNvCxnSpPr/>
-              <p:nvPr/>
-            </p:nvCxnSpPr>
-            <p:spPr>
-              <a:xfrm>
-                <a:off x="16005335" y="16877912"/>
-                <a:ext cx="0" cy="548640"/>
-              </a:xfrm>
-              <a:prstGeom prst="line">
-                <a:avLst/>
-              </a:prstGeom>
-              <a:ln w="127000">
-                <a:solidFill>
-                  <a:srgbClr val="70AD47"/>
-                </a:solidFill>
-              </a:ln>
-            </p:spPr>
-            <p:style>
-              <a:lnRef idx="1">
-                <a:schemeClr val="accent1"/>
-              </a:lnRef>
-              <a:fillRef idx="0">
-                <a:schemeClr val="accent1"/>
-              </a:fillRef>
-              <a:effectRef idx="0">
-                <a:schemeClr val="accent1"/>
-              </a:effectRef>
-              <a:fontRef idx="minor">
-                <a:schemeClr val="tx1"/>
-              </a:fontRef>
-            </p:style>
-          </p:cxnSp>
-        </p:grpSp>
-        <p:grpSp>
-          <p:nvGrpSpPr>
-            <p:cNvPr id="99" name="Group 98"/>
-            <p:cNvGrpSpPr/>
-            <p:nvPr/>
-          </p:nvGrpSpPr>
-          <p:grpSpPr>
-            <a:xfrm>
-              <a:off x="15633238" y="6965908"/>
-              <a:ext cx="584542" cy="548640"/>
-              <a:chOff x="15934489" y="7053835"/>
-              <a:chExt cx="584542" cy="548640"/>
-            </a:xfrm>
-          </p:grpSpPr>
-          <p:cxnSp>
-            <p:nvCxnSpPr>
-              <p:cNvPr id="106" name="Straight Connector 105"/>
-              <p:cNvCxnSpPr/>
-              <p:nvPr/>
-            </p:nvCxnSpPr>
-            <p:spPr>
-              <a:xfrm rot="5520000" flipV="1">
-                <a:off x="15751890" y="7327875"/>
-                <a:ext cx="365760" cy="561"/>
-              </a:xfrm>
-              <a:prstGeom prst="line">
-                <a:avLst/>
-              </a:prstGeom>
-              <a:ln w="63500">
-                <a:solidFill>
-                  <a:schemeClr val="tx1"/>
-                </a:solidFill>
-                <a:prstDash val="solid"/>
-              </a:ln>
-            </p:spPr>
-            <p:style>
-              <a:lnRef idx="1">
-                <a:schemeClr val="accent1"/>
-              </a:lnRef>
-              <a:fillRef idx="0">
-                <a:schemeClr val="accent1"/>
-              </a:fillRef>
-              <a:effectRef idx="0">
-                <a:schemeClr val="accent1"/>
-              </a:effectRef>
-              <a:fontRef idx="minor">
-                <a:schemeClr val="tx1"/>
-              </a:fontRef>
-            </p:style>
-          </p:cxnSp>
-          <p:cxnSp>
-            <p:nvCxnSpPr>
-              <p:cNvPr id="107" name="Straight Connector 106"/>
-              <p:cNvCxnSpPr/>
-              <p:nvPr/>
-            </p:nvCxnSpPr>
-            <p:spPr>
-              <a:xfrm rot="5520000" flipV="1">
-                <a:off x="16335871" y="7327875"/>
-                <a:ext cx="365760" cy="561"/>
-              </a:xfrm>
-              <a:prstGeom prst="line">
-                <a:avLst/>
-              </a:prstGeom>
-              <a:ln w="63500">
-                <a:solidFill>
-                  <a:schemeClr val="tx1"/>
-                </a:solidFill>
-                <a:prstDash val="solid"/>
-              </a:ln>
-            </p:spPr>
-            <p:style>
-              <a:lnRef idx="1">
-                <a:schemeClr val="accent1"/>
-              </a:lnRef>
-              <a:fillRef idx="0">
-                <a:schemeClr val="accent1"/>
-              </a:fillRef>
-              <a:effectRef idx="0">
-                <a:schemeClr val="accent1"/>
-              </a:effectRef>
-              <a:fontRef idx="minor">
-                <a:schemeClr val="tx1"/>
-              </a:fontRef>
-            </p:style>
-          </p:cxnSp>
-          <p:cxnSp>
-            <p:nvCxnSpPr>
-              <p:cNvPr id="108" name="Straight Connector 107"/>
-              <p:cNvCxnSpPr/>
-              <p:nvPr/>
-            </p:nvCxnSpPr>
-            <p:spPr>
-              <a:xfrm flipV="1">
-                <a:off x="15967753" y="7326284"/>
-                <a:ext cx="548640" cy="2796"/>
-              </a:xfrm>
-              <a:prstGeom prst="line">
-                <a:avLst/>
-              </a:prstGeom>
-              <a:ln w="63500">
-                <a:solidFill>
-                  <a:schemeClr val="tx1"/>
-                </a:solidFill>
-                <a:prstDash val="sysDash"/>
-              </a:ln>
-            </p:spPr>
-            <p:style>
-              <a:lnRef idx="1">
-                <a:schemeClr val="accent1"/>
-              </a:lnRef>
-              <a:fillRef idx="0">
-                <a:schemeClr val="accent1"/>
-              </a:fillRef>
-              <a:effectRef idx="0">
-                <a:schemeClr val="accent1"/>
-              </a:effectRef>
-              <a:fontRef idx="minor">
-                <a:schemeClr val="tx1"/>
-              </a:fontRef>
-            </p:style>
-          </p:cxnSp>
-          <p:cxnSp>
-            <p:nvCxnSpPr>
-              <p:cNvPr id="109" name="Straight Connector 108"/>
-              <p:cNvCxnSpPr/>
-              <p:nvPr/>
-            </p:nvCxnSpPr>
-            <p:spPr>
-              <a:xfrm>
-                <a:off x="16103335" y="7053835"/>
-                <a:ext cx="0" cy="548640"/>
-              </a:xfrm>
-              <a:prstGeom prst="line">
-                <a:avLst/>
-              </a:prstGeom>
-              <a:ln w="127000">
-                <a:solidFill>
-                  <a:srgbClr val="70AD47"/>
-                </a:solidFill>
-              </a:ln>
-            </p:spPr>
-            <p:style>
-              <a:lnRef idx="1">
-                <a:schemeClr val="accent1"/>
-              </a:lnRef>
-              <a:fillRef idx="0">
-                <a:schemeClr val="accent1"/>
-              </a:fillRef>
-              <a:effectRef idx="0">
-                <a:schemeClr val="accent1"/>
-              </a:effectRef>
-              <a:fontRef idx="minor">
-                <a:schemeClr val="tx1"/>
-              </a:fontRef>
-            </p:style>
-          </p:cxnSp>
-        </p:grpSp>
-        <p:grpSp>
-          <p:nvGrpSpPr>
-            <p:cNvPr id="100" name="Group 99"/>
-            <p:cNvGrpSpPr/>
-            <p:nvPr/>
-          </p:nvGrpSpPr>
-          <p:grpSpPr>
-            <a:xfrm>
-              <a:off x="15678998" y="8246091"/>
-              <a:ext cx="548640" cy="548640"/>
-              <a:chOff x="15731753" y="8246091"/>
-              <a:chExt cx="548640" cy="548640"/>
-            </a:xfrm>
-          </p:grpSpPr>
-          <p:cxnSp>
-            <p:nvCxnSpPr>
-              <p:cNvPr id="102" name="Straight Connector 101"/>
-              <p:cNvCxnSpPr/>
-              <p:nvPr/>
-            </p:nvCxnSpPr>
-            <p:spPr>
-              <a:xfrm flipV="1">
-                <a:off x="15731753" y="8554183"/>
-                <a:ext cx="548640" cy="2796"/>
-              </a:xfrm>
-              <a:prstGeom prst="line">
-                <a:avLst/>
-              </a:prstGeom>
-              <a:ln w="63500">
-                <a:solidFill>
-                  <a:schemeClr val="tx1"/>
-                </a:solidFill>
-                <a:prstDash val="sysDash"/>
-              </a:ln>
-            </p:spPr>
-            <p:style>
-              <a:lnRef idx="1">
-                <a:schemeClr val="accent1"/>
-              </a:lnRef>
-              <a:fillRef idx="0">
-                <a:schemeClr val="accent1"/>
-              </a:fillRef>
-              <a:effectRef idx="0">
-                <a:schemeClr val="accent1"/>
-              </a:effectRef>
-              <a:fontRef idx="minor">
-                <a:schemeClr val="tx1"/>
-              </a:fontRef>
-            </p:style>
-          </p:cxnSp>
-          <p:cxnSp>
-            <p:nvCxnSpPr>
-              <p:cNvPr id="103" name="Straight Connector 102"/>
-              <p:cNvCxnSpPr/>
-              <p:nvPr/>
-            </p:nvCxnSpPr>
-            <p:spPr>
-              <a:xfrm rot="5520000" flipV="1">
-                <a:off x="15573340" y="8555301"/>
-                <a:ext cx="365760" cy="561"/>
-              </a:xfrm>
-              <a:prstGeom prst="line">
-                <a:avLst/>
-              </a:prstGeom>
-              <a:ln w="63500">
-                <a:solidFill>
-                  <a:schemeClr val="tx1"/>
-                </a:solidFill>
-                <a:prstDash val="solid"/>
-              </a:ln>
-            </p:spPr>
-            <p:style>
-              <a:lnRef idx="1">
-                <a:schemeClr val="accent1"/>
-              </a:lnRef>
-              <a:fillRef idx="0">
-                <a:schemeClr val="accent1"/>
-              </a:fillRef>
-              <a:effectRef idx="0">
-                <a:schemeClr val="accent1"/>
-              </a:effectRef>
-              <a:fontRef idx="minor">
-                <a:schemeClr val="tx1"/>
-              </a:fontRef>
-            </p:style>
-          </p:cxnSp>
-          <p:cxnSp>
-            <p:nvCxnSpPr>
-              <p:cNvPr id="104" name="Straight Connector 103"/>
-              <p:cNvCxnSpPr/>
-              <p:nvPr/>
-            </p:nvCxnSpPr>
-            <p:spPr>
-              <a:xfrm rot="5520000" flipV="1">
-                <a:off x="16087000" y="8555301"/>
-                <a:ext cx="365760" cy="561"/>
-              </a:xfrm>
-              <a:prstGeom prst="line">
-                <a:avLst/>
-              </a:prstGeom>
-              <a:ln w="63500">
-                <a:solidFill>
-                  <a:schemeClr val="tx1"/>
-                </a:solidFill>
-                <a:prstDash val="solid"/>
-              </a:ln>
-            </p:spPr>
-            <p:style>
-              <a:lnRef idx="1">
-                <a:schemeClr val="accent1"/>
-              </a:lnRef>
-              <a:fillRef idx="0">
-                <a:schemeClr val="accent1"/>
-              </a:fillRef>
-              <a:effectRef idx="0">
-                <a:schemeClr val="accent1"/>
-              </a:effectRef>
-              <a:fontRef idx="minor">
-                <a:schemeClr val="tx1"/>
-              </a:fontRef>
-            </p:style>
-          </p:cxnSp>
-          <p:cxnSp>
-            <p:nvCxnSpPr>
-              <p:cNvPr id="105" name="Straight Connector 104"/>
-              <p:cNvCxnSpPr/>
-              <p:nvPr/>
-            </p:nvCxnSpPr>
-            <p:spPr>
-              <a:xfrm>
-                <a:off x="16025576" y="8246091"/>
-                <a:ext cx="0" cy="548640"/>
-              </a:xfrm>
-              <a:prstGeom prst="line">
-                <a:avLst/>
-              </a:prstGeom>
-              <a:ln w="127000">
-                <a:solidFill>
-                  <a:srgbClr val="70AD47"/>
-                </a:solidFill>
-              </a:ln>
-            </p:spPr>
-            <p:style>
-              <a:lnRef idx="1">
-                <a:schemeClr val="accent1"/>
-              </a:lnRef>
-              <a:fillRef idx="0">
-                <a:schemeClr val="accent1"/>
-              </a:fillRef>
-              <a:effectRef idx="0">
-                <a:schemeClr val="accent1"/>
-              </a:effectRef>
-              <a:fontRef idx="minor">
-                <a:schemeClr val="tx1"/>
-              </a:fontRef>
-            </p:style>
-          </p:cxnSp>
-        </p:grpSp>
         <p:cxnSp>
           <p:nvCxnSpPr>
-            <p:cNvPr id="101" name="Straight Connector 100"/>
+            <p:cNvPr id="104" name="Straight Connector 103"/>
             <p:cNvCxnSpPr/>
             <p:nvPr/>
           </p:nvCxnSpPr>
           <p:spPr>
-            <a:xfrm>
-              <a:off x="16479401" y="1526766"/>
-              <a:ext cx="69947" cy="14809342"/>
+            <a:xfrm rot="5520000" flipV="1">
+              <a:off x="16087000" y="8555301"/>
+              <a:ext cx="365760" cy="561"/>
             </a:xfrm>
             <a:prstGeom prst="line">
               <a:avLst/>
             </a:prstGeom>
-            <a:ln w="47625">
+            <a:ln w="63500">
               <a:solidFill>
-                <a:schemeClr val="accent1">
-                  <a:lumMod val="40000"/>
-                  <a:lumOff val="60000"/>
-                </a:schemeClr>
+                <a:schemeClr val="tx1"/>
               </a:solidFill>
               <a:prstDash val="solid"/>
             </a:ln>
@@ -5072,405 +4697,666 @@
             </a:fontRef>
           </p:style>
         </p:cxnSp>
+        <p:cxnSp>
+          <p:nvCxnSpPr>
+            <p:cNvPr id="105" name="Straight Connector 104"/>
+            <p:cNvCxnSpPr/>
+            <p:nvPr/>
+          </p:nvCxnSpPr>
+          <p:spPr>
+            <a:xfrm>
+              <a:off x="16025576" y="8246091"/>
+              <a:ext cx="0" cy="548640"/>
+            </a:xfrm>
+            <a:prstGeom prst="line">
+              <a:avLst/>
+            </a:prstGeom>
+            <a:ln w="127000">
+              <a:solidFill>
+                <a:srgbClr val="70AD47"/>
+              </a:solidFill>
+            </a:ln>
+          </p:spPr>
+          <p:style>
+            <a:lnRef idx="1">
+              <a:schemeClr val="accent1"/>
+            </a:lnRef>
+            <a:fillRef idx="0">
+              <a:schemeClr val="accent1"/>
+            </a:fillRef>
+            <a:effectRef idx="0">
+              <a:schemeClr val="accent1"/>
+            </a:effectRef>
+            <a:fontRef idx="minor">
+              <a:schemeClr val="tx1"/>
+            </a:fontRef>
+          </p:style>
+        </p:cxnSp>
       </p:grpSp>
-      <p:sp>
-        <p:nvSpPr>
-          <p:cNvPr id="75" name="Rounded Rectangle 74"/>
-          <p:cNvSpPr/>
+      <p:grpSp>
+        <p:nvGrpSpPr>
+          <p:cNvPr id="4" name="Group 3"/>
+          <p:cNvGrpSpPr/>
           <p:nvPr/>
-        </p:nvSpPr>
-        <p:spPr>
-          <a:xfrm>
-            <a:off x="13500419" y="200115"/>
-            <a:ext cx="3186601" cy="626637"/>
-          </a:xfrm>
-          <a:prstGeom prst="roundRect">
+        </p:nvGrpSpPr>
+        <p:grpSpPr>
+          <a:xfrm>
+            <a:off x="15692620" y="6295349"/>
+            <a:ext cx="559034" cy="548640"/>
+            <a:chOff x="15692620" y="6295349"/>
+            <a:chExt cx="559034" cy="548640"/>
+          </a:xfrm>
+        </p:grpSpPr>
+        <p:cxnSp>
+          <p:nvCxnSpPr>
+            <p:cNvPr id="108" name="Straight Connector 107"/>
+            <p:cNvCxnSpPr/>
+            <p:nvPr/>
+          </p:nvCxnSpPr>
+          <p:spPr>
+            <a:xfrm flipV="1">
+              <a:off x="15703014" y="6568271"/>
+              <a:ext cx="548640" cy="2796"/>
+            </a:xfrm>
+            <a:prstGeom prst="line">
+              <a:avLst/>
+            </a:prstGeom>
+            <a:ln w="63500">
+              <a:solidFill>
+                <a:schemeClr val="tx1"/>
+              </a:solidFill>
+              <a:prstDash val="sysDash"/>
+            </a:ln>
+          </p:spPr>
+          <p:style>
+            <a:lnRef idx="1">
+              <a:schemeClr val="accent1"/>
+            </a:lnRef>
+            <a:fillRef idx="0">
+              <a:schemeClr val="accent1"/>
+            </a:fillRef>
+            <a:effectRef idx="0">
+              <a:schemeClr val="accent1"/>
+            </a:effectRef>
+            <a:fontRef idx="minor">
+              <a:schemeClr val="tx1"/>
+            </a:fontRef>
+          </p:style>
+        </p:cxnSp>
+        <p:cxnSp>
+          <p:nvCxnSpPr>
+            <p:cNvPr id="109" name="Straight Connector 108"/>
+            <p:cNvCxnSpPr/>
+            <p:nvPr/>
+          </p:nvCxnSpPr>
+          <p:spPr>
+            <a:xfrm>
+              <a:off x="15838596" y="6295349"/>
+              <a:ext cx="0" cy="548640"/>
+            </a:xfrm>
+            <a:prstGeom prst="line">
+              <a:avLst/>
+            </a:prstGeom>
+            <a:ln w="127000">
+              <a:solidFill>
+                <a:srgbClr val="70AD47"/>
+              </a:solidFill>
+            </a:ln>
+          </p:spPr>
+          <p:style>
+            <a:lnRef idx="1">
+              <a:schemeClr val="accent1"/>
+            </a:lnRef>
+            <a:fillRef idx="0">
+              <a:schemeClr val="accent1"/>
+            </a:fillRef>
+            <a:effectRef idx="0">
+              <a:schemeClr val="accent1"/>
+            </a:effectRef>
+            <a:fontRef idx="minor">
+              <a:schemeClr val="tx1"/>
+            </a:fontRef>
+          </p:style>
+        </p:cxnSp>
+        <p:cxnSp>
+          <p:nvCxnSpPr>
+            <p:cNvPr id="68" name="Straight Connector 67"/>
+            <p:cNvCxnSpPr/>
+            <p:nvPr/>
+          </p:nvCxnSpPr>
+          <p:spPr>
+            <a:xfrm>
+              <a:off x="16241109" y="6386891"/>
+              <a:ext cx="0" cy="365557"/>
+            </a:xfrm>
+            <a:prstGeom prst="line">
+              <a:avLst/>
+            </a:prstGeom>
+            <a:ln w="63500">
+              <a:solidFill>
+                <a:schemeClr val="tx1"/>
+              </a:solidFill>
+            </a:ln>
+          </p:spPr>
+          <p:style>
+            <a:lnRef idx="1">
+              <a:schemeClr val="accent1"/>
+            </a:lnRef>
+            <a:fillRef idx="0">
+              <a:schemeClr val="accent1"/>
+            </a:fillRef>
+            <a:effectRef idx="0">
+              <a:schemeClr val="accent1"/>
+            </a:effectRef>
+            <a:fontRef idx="minor">
+              <a:schemeClr val="tx1"/>
+            </a:fontRef>
+          </p:style>
+        </p:cxnSp>
+        <p:cxnSp>
+          <p:nvCxnSpPr>
+            <p:cNvPr id="69" name="Straight Connector 68"/>
+            <p:cNvCxnSpPr/>
+            <p:nvPr/>
+          </p:nvCxnSpPr>
+          <p:spPr>
+            <a:xfrm>
+              <a:off x="15692620" y="6386891"/>
+              <a:ext cx="0" cy="365557"/>
+            </a:xfrm>
+            <a:prstGeom prst="line">
+              <a:avLst/>
+            </a:prstGeom>
+            <a:ln w="63500">
+              <a:solidFill>
+                <a:schemeClr val="tx1"/>
+              </a:solidFill>
+            </a:ln>
+          </p:spPr>
+          <p:style>
+            <a:lnRef idx="1">
+              <a:schemeClr val="accent1"/>
+            </a:lnRef>
+            <a:fillRef idx="0">
+              <a:schemeClr val="accent1"/>
+            </a:fillRef>
+            <a:effectRef idx="0">
+              <a:schemeClr val="accent1"/>
+            </a:effectRef>
+            <a:fontRef idx="minor">
+              <a:schemeClr val="tx1"/>
+            </a:fontRef>
+          </p:style>
+        </p:cxnSp>
+      </p:grpSp>
+      <p:grpSp>
+        <p:nvGrpSpPr>
+          <p:cNvPr id="5" name="Group 4"/>
+          <p:cNvGrpSpPr/>
+          <p:nvPr/>
+        </p:nvGrpSpPr>
+        <p:grpSpPr>
+          <a:xfrm>
+            <a:off x="14653253" y="4368146"/>
+            <a:ext cx="1586219" cy="548640"/>
+            <a:chOff x="14653253" y="4368146"/>
+            <a:chExt cx="1586219" cy="548640"/>
+          </a:xfrm>
+        </p:grpSpPr>
+        <p:cxnSp>
+          <p:nvCxnSpPr>
+            <p:cNvPr id="118" name="Straight Connector 117"/>
+            <p:cNvCxnSpPr/>
+            <p:nvPr/>
+          </p:nvCxnSpPr>
+          <p:spPr>
+            <a:xfrm flipV="1">
+              <a:off x="14653253" y="4641068"/>
+              <a:ext cx="1583454" cy="2796"/>
+            </a:xfrm>
+            <a:prstGeom prst="line">
+              <a:avLst/>
+            </a:prstGeom>
+            <a:ln w="63500">
+              <a:solidFill>
+                <a:schemeClr val="tx1"/>
+              </a:solidFill>
+              <a:prstDash val="sysDash"/>
+            </a:ln>
+          </p:spPr>
+          <p:style>
+            <a:lnRef idx="1">
+              <a:schemeClr val="accent1"/>
+            </a:lnRef>
+            <a:fillRef idx="0">
+              <a:schemeClr val="accent1"/>
+            </a:fillRef>
+            <a:effectRef idx="0">
+              <a:schemeClr val="accent1"/>
+            </a:effectRef>
+            <a:fontRef idx="minor">
+              <a:schemeClr val="tx1"/>
+            </a:fontRef>
+          </p:style>
+        </p:cxnSp>
+        <p:cxnSp>
+          <p:nvCxnSpPr>
+            <p:cNvPr id="121" name="Straight Connector 120"/>
+            <p:cNvCxnSpPr/>
+            <p:nvPr/>
+          </p:nvCxnSpPr>
+          <p:spPr>
+            <a:xfrm>
+              <a:off x="15650460" y="4368146"/>
+              <a:ext cx="0" cy="548640"/>
+            </a:xfrm>
+            <a:prstGeom prst="line">
+              <a:avLst/>
+            </a:prstGeom>
+            <a:ln w="127000">
+              <a:solidFill>
+                <a:srgbClr val="70AD47"/>
+              </a:solidFill>
+            </a:ln>
+          </p:spPr>
+          <p:style>
+            <a:lnRef idx="1">
+              <a:schemeClr val="accent1"/>
+            </a:lnRef>
+            <a:fillRef idx="0">
+              <a:schemeClr val="accent1"/>
+            </a:fillRef>
+            <a:effectRef idx="0">
+              <a:schemeClr val="accent1"/>
+            </a:effectRef>
+            <a:fontRef idx="minor">
+              <a:schemeClr val="tx1"/>
+            </a:fontRef>
+          </p:style>
+        </p:cxnSp>
+        <p:cxnSp>
+          <p:nvCxnSpPr>
+            <p:cNvPr id="71" name="Straight Connector 70"/>
+            <p:cNvCxnSpPr/>
+            <p:nvPr/>
+          </p:nvCxnSpPr>
+          <p:spPr>
+            <a:xfrm>
+              <a:off x="16239472" y="4459688"/>
+              <a:ext cx="0" cy="365557"/>
+            </a:xfrm>
+            <a:prstGeom prst="line">
+              <a:avLst/>
+            </a:prstGeom>
+            <a:ln w="63500">
+              <a:solidFill>
+                <a:schemeClr val="tx1"/>
+              </a:solidFill>
+            </a:ln>
+          </p:spPr>
+          <p:style>
+            <a:lnRef idx="1">
+              <a:schemeClr val="accent1"/>
+            </a:lnRef>
+            <a:fillRef idx="0">
+              <a:schemeClr val="accent1"/>
+            </a:fillRef>
+            <a:effectRef idx="0">
+              <a:schemeClr val="accent1"/>
+            </a:effectRef>
+            <a:fontRef idx="minor">
+              <a:schemeClr val="tx1"/>
+            </a:fontRef>
+          </p:style>
+        </p:cxnSp>
+        <p:cxnSp>
+          <p:nvCxnSpPr>
+            <p:cNvPr id="72" name="Straight Connector 71"/>
+            <p:cNvCxnSpPr/>
+            <p:nvPr/>
+          </p:nvCxnSpPr>
+          <p:spPr>
+            <a:xfrm>
+              <a:off x="14678339" y="4459688"/>
+              <a:ext cx="0" cy="365557"/>
+            </a:xfrm>
+            <a:prstGeom prst="line">
+              <a:avLst/>
+            </a:prstGeom>
+            <a:ln w="63500">
+              <a:solidFill>
+                <a:schemeClr val="tx1"/>
+              </a:solidFill>
+            </a:ln>
+          </p:spPr>
+          <p:style>
+            <a:lnRef idx="1">
+              <a:schemeClr val="accent1"/>
+            </a:lnRef>
+            <a:fillRef idx="0">
+              <a:schemeClr val="accent1"/>
+            </a:fillRef>
+            <a:effectRef idx="0">
+              <a:schemeClr val="accent1"/>
+            </a:effectRef>
+            <a:fontRef idx="minor">
+              <a:schemeClr val="tx1"/>
+            </a:fontRef>
+          </p:style>
+        </p:cxnSp>
+      </p:grpSp>
+      <p:cxnSp>
+        <p:nvCxnSpPr>
+          <p:cNvPr id="95" name="Straight Connector 94"/>
+          <p:cNvCxnSpPr/>
+          <p:nvPr/>
+        </p:nvCxnSpPr>
+        <p:spPr>
+          <a:xfrm>
+            <a:off x="16227220" y="13202805"/>
+            <a:ext cx="0" cy="365557"/>
+          </a:xfrm>
+          <a:prstGeom prst="line">
             <a:avLst/>
           </a:prstGeom>
-          <a:noFill/>
-          <a:ln>
-            <a:noFill/>
+          <a:ln w="63500">
+            <a:solidFill>
+              <a:schemeClr val="tx1"/>
+            </a:solidFill>
           </a:ln>
         </p:spPr>
         <p:style>
-          <a:lnRef idx="2">
-            <a:schemeClr val="accent1">
-              <a:shade val="50000"/>
-            </a:schemeClr>
+          <a:lnRef idx="1">
+            <a:schemeClr val="accent1"/>
           </a:lnRef>
-          <a:fillRef idx="1">
+          <a:fillRef idx="0">
             <a:schemeClr val="accent1"/>
           </a:fillRef>
           <a:effectRef idx="0">
             <a:schemeClr val="accent1"/>
           </a:effectRef>
           <a:fontRef idx="minor">
-            <a:schemeClr val="lt1"/>
+            <a:schemeClr val="tx1"/>
           </a:fontRef>
         </p:style>
-        <p:txBody>
-          <a:bodyPr rtlCol="0" anchor="ctr"/>
-          <a:lstStyle/>
-          <a:p>
-            <a:pPr algn="ctr"/>
-            <a:r>
-              <a:rPr lang="en-US" sz="4400" dirty="0">
-                <a:solidFill>
-                  <a:srgbClr val="238B45"/>
-                </a:solidFill>
-              </a:rPr>
-              <a:t>Likert Scale</a:t>
-            </a:r>
-            <a:endParaRPr lang="en-US" sz="4400" dirty="0">
+      </p:cxnSp>
+      <p:grpSp>
+        <p:nvGrpSpPr>
+          <p:cNvPr id="6" name="Group 5"/>
+          <p:cNvGrpSpPr/>
+          <p:nvPr/>
+        </p:nvGrpSpPr>
+        <p:grpSpPr>
+          <a:xfrm>
+            <a:off x="14668059" y="13112761"/>
+            <a:ext cx="1554480" cy="548640"/>
+            <a:chOff x="14668059" y="13112761"/>
+            <a:chExt cx="1554480" cy="548640"/>
+          </a:xfrm>
+        </p:grpSpPr>
+        <p:cxnSp>
+          <p:nvCxnSpPr>
+            <p:cNvPr id="114" name="Straight Connector 113"/>
+            <p:cNvCxnSpPr/>
+            <p:nvPr/>
+          </p:nvCxnSpPr>
+          <p:spPr>
+            <a:xfrm flipV="1">
+              <a:off x="14668059" y="13385683"/>
+              <a:ext cx="1554480" cy="2796"/>
+            </a:xfrm>
+            <a:prstGeom prst="line">
+              <a:avLst/>
+            </a:prstGeom>
+            <a:ln w="63500">
               <a:solidFill>
-                <a:srgbClr val="238B45"/>
+                <a:schemeClr val="tx1"/>
               </a:solidFill>
-            </a:endParaRPr>
-          </a:p>
-        </p:txBody>
-      </p:sp>
-      <p:sp>
-        <p:nvSpPr>
-          <p:cNvPr id="133" name="Rectangle 132"/>
-          <p:cNvSpPr/>
+              <a:prstDash val="sysDash"/>
+            </a:ln>
+          </p:spPr>
+          <p:style>
+            <a:lnRef idx="1">
+              <a:schemeClr val="accent1"/>
+            </a:lnRef>
+            <a:fillRef idx="0">
+              <a:schemeClr val="accent1"/>
+            </a:fillRef>
+            <a:effectRef idx="0">
+              <a:schemeClr val="accent1"/>
+            </a:effectRef>
+            <a:fontRef idx="minor">
+              <a:schemeClr val="tx1"/>
+            </a:fontRef>
+          </p:style>
+        </p:cxnSp>
+        <p:cxnSp>
+          <p:nvCxnSpPr>
+            <p:cNvPr id="117" name="Straight Connector 116"/>
+            <p:cNvCxnSpPr/>
+            <p:nvPr/>
+          </p:nvCxnSpPr>
+          <p:spPr>
+            <a:xfrm>
+              <a:off x="15816277" y="13112761"/>
+              <a:ext cx="0" cy="548640"/>
+            </a:xfrm>
+            <a:prstGeom prst="line">
+              <a:avLst/>
+            </a:prstGeom>
+            <a:ln w="127000">
+              <a:solidFill>
+                <a:srgbClr val="70AD47"/>
+              </a:solidFill>
+            </a:ln>
+          </p:spPr>
+          <p:style>
+            <a:lnRef idx="1">
+              <a:schemeClr val="accent1"/>
+            </a:lnRef>
+            <a:fillRef idx="0">
+              <a:schemeClr val="accent1"/>
+            </a:fillRef>
+            <a:effectRef idx="0">
+              <a:schemeClr val="accent1"/>
+            </a:effectRef>
+            <a:fontRef idx="minor">
+              <a:schemeClr val="tx1"/>
+            </a:fontRef>
+          </p:style>
+        </p:cxnSp>
+        <p:cxnSp>
+          <p:nvCxnSpPr>
+            <p:cNvPr id="123" name="Straight Connector 122"/>
+            <p:cNvCxnSpPr/>
+            <p:nvPr/>
+          </p:nvCxnSpPr>
+          <p:spPr>
+            <a:xfrm>
+              <a:off x="14672695" y="13204303"/>
+              <a:ext cx="0" cy="365557"/>
+            </a:xfrm>
+            <a:prstGeom prst="line">
+              <a:avLst/>
+            </a:prstGeom>
+            <a:ln w="63500">
+              <a:solidFill>
+                <a:schemeClr val="tx1"/>
+              </a:solidFill>
+            </a:ln>
+          </p:spPr>
+          <p:style>
+            <a:lnRef idx="1">
+              <a:schemeClr val="accent1"/>
+            </a:lnRef>
+            <a:fillRef idx="0">
+              <a:schemeClr val="accent1"/>
+            </a:fillRef>
+            <a:effectRef idx="0">
+              <a:schemeClr val="accent1"/>
+            </a:effectRef>
+            <a:fontRef idx="minor">
+              <a:schemeClr val="tx1"/>
+            </a:fontRef>
+          </p:style>
+        </p:cxnSp>
+      </p:grpSp>
+      <p:grpSp>
+        <p:nvGrpSpPr>
+          <p:cNvPr id="7" name="Group 6"/>
+          <p:cNvGrpSpPr/>
           <p:nvPr/>
-        </p:nvSpPr>
-        <p:spPr>
-          <a:xfrm>
-            <a:off x="17002027" y="305284"/>
-            <a:ext cx="274320" cy="274320"/>
-          </a:xfrm>
-          <a:prstGeom prst="rect">
-            <a:avLst/>
-          </a:prstGeom>
-        </p:spPr>
-        <p:style>
-          <a:lnRef idx="2">
-            <a:schemeClr val="accent1">
-              <a:shade val="50000"/>
-            </a:schemeClr>
-          </a:lnRef>
-          <a:fillRef idx="1">
-            <a:schemeClr val="accent1"/>
-          </a:fillRef>
-          <a:effectRef idx="0">
-            <a:schemeClr val="accent1"/>
-          </a:effectRef>
-          <a:fontRef idx="minor">
-            <a:schemeClr val="lt1"/>
-          </a:fontRef>
-        </p:style>
-        <p:txBody>
-          <a:bodyPr rtlCol="0" anchor="ctr"/>
-          <a:lstStyle/>
-          <a:p>
-            <a:pPr algn="ctr"/>
-            <a:endParaRPr lang="en-US"/>
-          </a:p>
-        </p:txBody>
-      </p:sp>
-      <p:sp>
-        <p:nvSpPr>
-          <p:cNvPr id="134" name="Rectangle 133"/>
-          <p:cNvSpPr/>
-          <p:nvPr/>
-        </p:nvSpPr>
-        <p:spPr>
-          <a:xfrm>
-            <a:off x="17002027" y="785470"/>
-            <a:ext cx="274320" cy="274320"/>
-          </a:xfrm>
-          <a:prstGeom prst="rect">
-            <a:avLst/>
-          </a:prstGeom>
-          <a:solidFill>
-            <a:srgbClr val="FFC000"/>
-          </a:solidFill>
-          <a:ln>
-            <a:noFill/>
-          </a:ln>
-        </p:spPr>
-        <p:style>
-          <a:lnRef idx="2">
-            <a:schemeClr val="accent1">
-              <a:shade val="50000"/>
-            </a:schemeClr>
-          </a:lnRef>
-          <a:fillRef idx="1">
-            <a:schemeClr val="accent1"/>
-          </a:fillRef>
-          <a:effectRef idx="0">
-            <a:schemeClr val="accent1"/>
-          </a:effectRef>
-          <a:fontRef idx="minor">
-            <a:schemeClr val="lt1"/>
-          </a:fontRef>
-        </p:style>
-        <p:txBody>
-          <a:bodyPr rtlCol="0" anchor="ctr"/>
-          <a:lstStyle/>
-          <a:p>
-            <a:pPr algn="ctr"/>
-            <a:endParaRPr lang="en-US"/>
-          </a:p>
-        </p:txBody>
-      </p:sp>
-      <p:sp>
-        <p:nvSpPr>
-          <p:cNvPr id="135" name="Rectangle 134"/>
-          <p:cNvSpPr/>
-          <p:nvPr/>
-        </p:nvSpPr>
-        <p:spPr>
-          <a:xfrm>
-            <a:off x="17002027" y="1420332"/>
-            <a:ext cx="274320" cy="274320"/>
-          </a:xfrm>
-          <a:prstGeom prst="rect">
-            <a:avLst/>
-          </a:prstGeom>
-          <a:solidFill>
-            <a:srgbClr val="ED7D31"/>
-          </a:solidFill>
-          <a:ln>
-            <a:noFill/>
-          </a:ln>
-        </p:spPr>
-        <p:style>
-          <a:lnRef idx="2">
-            <a:schemeClr val="accent1">
-              <a:shade val="50000"/>
-            </a:schemeClr>
-          </a:lnRef>
-          <a:fillRef idx="1">
-            <a:schemeClr val="accent1"/>
-          </a:fillRef>
-          <a:effectRef idx="0">
-            <a:schemeClr val="accent1"/>
-          </a:effectRef>
-          <a:fontRef idx="minor">
-            <a:schemeClr val="lt1"/>
-          </a:fontRef>
-        </p:style>
-        <p:txBody>
-          <a:bodyPr rtlCol="0" anchor="ctr"/>
-          <a:lstStyle/>
-          <a:p>
-            <a:pPr algn="ctr"/>
-            <a:endParaRPr lang="en-US"/>
-          </a:p>
-        </p:txBody>
-      </p:sp>
-      <p:sp>
-        <p:nvSpPr>
-          <p:cNvPr id="136" name="TextBox 135"/>
-          <p:cNvSpPr txBox="1"/>
-          <p:nvPr/>
-        </p:nvSpPr>
-        <p:spPr>
-          <a:xfrm>
-            <a:off x="17336692" y="170067"/>
-            <a:ext cx="1999050" cy="584775"/>
-          </a:xfrm>
-          <a:prstGeom prst="rect">
-            <a:avLst/>
-          </a:prstGeom>
-          <a:noFill/>
-        </p:spPr>
-        <p:txBody>
-          <a:bodyPr wrap="square" rtlCol="0">
-            <a:spAutoFit/>
-          </a:bodyPr>
-          <a:lstStyle/>
-          <a:p>
-            <a:r>
-              <a:rPr lang="en-US" sz="3200" dirty="0">
-                <a:solidFill>
-                  <a:srgbClr val="238B45"/>
-                </a:solidFill>
-              </a:rPr>
-              <a:t>Correct</a:t>
-            </a:r>
-            <a:endParaRPr lang="en-US" sz="4400" dirty="0">
+        </p:nvGrpSpPr>
+        <p:grpSpPr>
+          <a:xfrm>
+            <a:off x="15190363" y="14643360"/>
+            <a:ext cx="1021416" cy="548640"/>
+            <a:chOff x="15190363" y="14643360"/>
+            <a:chExt cx="1021416" cy="548640"/>
+          </a:xfrm>
+        </p:grpSpPr>
+        <p:cxnSp>
+          <p:nvCxnSpPr>
+            <p:cNvPr id="110" name="Straight Connector 109"/>
+            <p:cNvCxnSpPr/>
+            <p:nvPr/>
+          </p:nvCxnSpPr>
+          <p:spPr>
+            <a:xfrm flipV="1">
+              <a:off x="15205939" y="14916282"/>
+              <a:ext cx="1005840" cy="2796"/>
+            </a:xfrm>
+            <a:prstGeom prst="line">
+              <a:avLst/>
+            </a:prstGeom>
+            <a:ln w="63500">
               <a:solidFill>
-                <a:srgbClr val="238B45"/>
+                <a:schemeClr val="tx1"/>
               </a:solidFill>
-            </a:endParaRPr>
-          </a:p>
-        </p:txBody>
-      </p:sp>
-      <p:sp>
-        <p:nvSpPr>
-          <p:cNvPr id="137" name="Rectangle 136"/>
-          <p:cNvSpPr/>
-          <p:nvPr/>
-        </p:nvSpPr>
-        <p:spPr>
-          <a:xfrm>
-            <a:off x="16990267" y="305284"/>
-            <a:ext cx="274320" cy="274320"/>
-          </a:xfrm>
-          <a:prstGeom prst="rect">
-            <a:avLst/>
-          </a:prstGeom>
-          <a:solidFill>
-            <a:srgbClr val="70AD47"/>
-          </a:solidFill>
-          <a:ln>
-            <a:noFill/>
-          </a:ln>
-        </p:spPr>
-        <p:style>
-          <a:lnRef idx="2">
-            <a:schemeClr val="accent1">
-              <a:shade val="50000"/>
-            </a:schemeClr>
-          </a:lnRef>
-          <a:fillRef idx="1">
-            <a:schemeClr val="accent1"/>
-          </a:fillRef>
-          <a:effectRef idx="0">
-            <a:schemeClr val="accent1"/>
-          </a:effectRef>
-          <a:fontRef idx="minor">
-            <a:schemeClr val="lt1"/>
-          </a:fontRef>
-        </p:style>
-        <p:txBody>
-          <a:bodyPr rtlCol="0" anchor="ctr"/>
-          <a:lstStyle/>
-          <a:p>
-            <a:pPr algn="ctr"/>
-            <a:endParaRPr lang="en-US"/>
-          </a:p>
-        </p:txBody>
-      </p:sp>
-      <p:sp>
-        <p:nvSpPr>
-          <p:cNvPr id="138" name="Rectangle 137"/>
-          <p:cNvSpPr/>
-          <p:nvPr/>
-        </p:nvSpPr>
-        <p:spPr>
-          <a:xfrm>
-            <a:off x="17336692" y="692778"/>
-            <a:ext cx="2800733" cy="459705"/>
-          </a:xfrm>
-          <a:prstGeom prst="rect">
-            <a:avLst/>
-          </a:prstGeom>
-          <a:noFill/>
-          <a:ln>
-            <a:noFill/>
-          </a:ln>
-        </p:spPr>
-        <p:style>
-          <a:lnRef idx="2">
-            <a:schemeClr val="accent1">
-              <a:shade val="50000"/>
-            </a:schemeClr>
-          </a:lnRef>
-          <a:fillRef idx="1">
-            <a:schemeClr val="accent1"/>
-          </a:fillRef>
-          <a:effectRef idx="0">
-            <a:schemeClr val="accent1"/>
-          </a:effectRef>
-          <a:fontRef idx="minor">
-            <a:schemeClr val="lt1"/>
-          </a:fontRef>
-        </p:style>
-        <p:txBody>
-          <a:bodyPr rtlCol="0" anchor="ctr"/>
-          <a:lstStyle/>
-          <a:p>
-            <a:r>
-              <a:rPr lang="en-US" sz="3200" dirty="0">
-                <a:solidFill>
-                  <a:srgbClr val="238B45"/>
-                </a:solidFill>
-              </a:rPr>
-              <a:t>Minor</a:t>
-            </a:r>
-            <a:r>
-              <a:rPr lang="en-US" sz="1800" dirty="0">
-                <a:solidFill>
-                  <a:schemeClr val="tx1"/>
-                </a:solidFill>
-              </a:rPr>
-              <a:t> </a:t>
-            </a:r>
-            <a:r>
-              <a:rPr lang="en-US" sz="3200" dirty="0">
-                <a:solidFill>
-                  <a:srgbClr val="238B45"/>
-                </a:solidFill>
-              </a:rPr>
-              <a:t>Mistake</a:t>
-            </a:r>
-            <a:endParaRPr lang="en-US" sz="3200" dirty="0">
+              <a:prstDash val="sysDash"/>
+            </a:ln>
+          </p:spPr>
+          <p:style>
+            <a:lnRef idx="1">
+              <a:schemeClr val="accent1"/>
+            </a:lnRef>
+            <a:fillRef idx="0">
+              <a:schemeClr val="accent1"/>
+            </a:fillRef>
+            <a:effectRef idx="0">
+              <a:schemeClr val="accent1"/>
+            </a:effectRef>
+            <a:fontRef idx="minor">
+              <a:schemeClr val="tx1"/>
+            </a:fontRef>
+          </p:style>
+        </p:cxnSp>
+        <p:cxnSp>
+          <p:nvCxnSpPr>
+            <p:cNvPr id="113" name="Straight Connector 112"/>
+            <p:cNvCxnSpPr/>
+            <p:nvPr/>
+          </p:nvCxnSpPr>
+          <p:spPr>
+            <a:xfrm>
+              <a:off x="15763522" y="14643360"/>
+              <a:ext cx="0" cy="548640"/>
+            </a:xfrm>
+            <a:prstGeom prst="line">
+              <a:avLst/>
+            </a:prstGeom>
+            <a:ln w="127000">
               <a:solidFill>
-                <a:srgbClr val="238B45"/>
+                <a:srgbClr val="70AD47"/>
               </a:solidFill>
-            </a:endParaRPr>
-          </a:p>
-        </p:txBody>
-      </p:sp>
-      <p:sp>
-        <p:nvSpPr>
-          <p:cNvPr id="139" name="Rectangle 138"/>
-          <p:cNvSpPr/>
-          <p:nvPr/>
-        </p:nvSpPr>
-        <p:spPr>
-          <a:xfrm>
-            <a:off x="17336692" y="1321573"/>
-            <a:ext cx="2800733" cy="373079"/>
-          </a:xfrm>
-          <a:prstGeom prst="rect">
-            <a:avLst/>
-          </a:prstGeom>
-          <a:noFill/>
-          <a:ln>
-            <a:noFill/>
-          </a:ln>
-        </p:spPr>
-        <p:style>
-          <a:lnRef idx="2">
-            <a:schemeClr val="accent1">
-              <a:shade val="50000"/>
-            </a:schemeClr>
-          </a:lnRef>
-          <a:fillRef idx="1">
-            <a:schemeClr val="accent1"/>
-          </a:fillRef>
-          <a:effectRef idx="0">
-            <a:schemeClr val="accent1"/>
-          </a:effectRef>
-          <a:fontRef idx="minor">
-            <a:schemeClr val="lt1"/>
-          </a:fontRef>
-        </p:style>
-        <p:txBody>
-          <a:bodyPr rtlCol="0" anchor="ctr"/>
-          <a:lstStyle/>
-          <a:p>
-            <a:r>
-              <a:rPr lang="en-US" sz="3200" dirty="0">
-                <a:solidFill>
-                  <a:srgbClr val="238B45"/>
-                </a:solidFill>
-              </a:rPr>
-              <a:t>Wrong</a:t>
-            </a:r>
-            <a:endParaRPr lang="en-US" sz="3200" dirty="0">
+            </a:ln>
+          </p:spPr>
+          <p:style>
+            <a:lnRef idx="1">
+              <a:schemeClr val="accent1"/>
+            </a:lnRef>
+            <a:fillRef idx="0">
+              <a:schemeClr val="accent1"/>
+            </a:fillRef>
+            <a:effectRef idx="0">
+              <a:schemeClr val="accent1"/>
+            </a:effectRef>
+            <a:fontRef idx="minor">
+              <a:schemeClr val="tx1"/>
+            </a:fontRef>
+          </p:style>
+        </p:cxnSp>
+        <p:cxnSp>
+          <p:nvCxnSpPr>
+            <p:cNvPr id="67" name="Straight Connector 66"/>
+            <p:cNvCxnSpPr/>
+            <p:nvPr/>
+          </p:nvCxnSpPr>
+          <p:spPr>
+            <a:xfrm>
+              <a:off x="16210287" y="14734902"/>
+              <a:ext cx="0" cy="365557"/>
+            </a:xfrm>
+            <a:prstGeom prst="line">
+              <a:avLst/>
+            </a:prstGeom>
+            <a:ln w="63500">
               <a:solidFill>
-                <a:srgbClr val="238B45"/>
+                <a:schemeClr val="tx1"/>
               </a:solidFill>
-            </a:endParaRPr>
-          </a:p>
-        </p:txBody>
-      </p:sp>
+            </a:ln>
+          </p:spPr>
+          <p:style>
+            <a:lnRef idx="1">
+              <a:schemeClr val="accent1"/>
+            </a:lnRef>
+            <a:fillRef idx="0">
+              <a:schemeClr val="accent1"/>
+            </a:fillRef>
+            <a:effectRef idx="0">
+              <a:schemeClr val="accent1"/>
+            </a:effectRef>
+            <a:fontRef idx="minor">
+              <a:schemeClr val="tx1"/>
+            </a:fontRef>
+          </p:style>
+        </p:cxnSp>
+        <p:cxnSp>
+          <p:nvCxnSpPr>
+            <p:cNvPr id="124" name="Straight Connector 123"/>
+            <p:cNvCxnSpPr/>
+            <p:nvPr/>
+          </p:nvCxnSpPr>
+          <p:spPr>
+            <a:xfrm>
+              <a:off x="15190363" y="14734902"/>
+              <a:ext cx="0" cy="365557"/>
+            </a:xfrm>
+            <a:prstGeom prst="line">
+              <a:avLst/>
+            </a:prstGeom>
+            <a:ln w="63500">
+              <a:solidFill>
+                <a:schemeClr val="tx1"/>
+              </a:solidFill>
+            </a:ln>
+          </p:spPr>
+          <p:style>
+            <a:lnRef idx="1">
+              <a:schemeClr val="accent1"/>
+            </a:lnRef>
+            <a:fillRef idx="0">
+              <a:schemeClr val="accent1"/>
+            </a:fillRef>
+            <a:effectRef idx="0">
+              <a:schemeClr val="accent1"/>
+            </a:effectRef>
+            <a:fontRef idx="minor">
+              <a:schemeClr val="tx1"/>
+            </a:fontRef>
+          </p:style>
+        </p:cxnSp>
+      </p:grpSp>
     </p:spTree>
     <p:extLst>
       <p:ext uri="{BB962C8B-B14F-4D97-AF65-F5344CB8AC3E}">
@@ -5739,7 +5625,7 @@
   <a:extraClrSchemeLst/>
   <a:extLst>
     <a:ext uri="{05A4C25C-085E-4340-85A3-A5531E510DB2}">
-      <thm15:themeFamily xmlns:thm15="http://schemas.microsoft.com/office/thememl/2012/main" name="Office Theme" id="{62F939B6-93AF-4DB8-9C6B-D6C7DFDC589F}" vid="{4A3C46E8-61CC-4603-A589-7422A47A8E4A}"/>
+      <thm15:themeFamily xmlns="" xmlns:thm15="http://schemas.microsoft.com/office/thememl/2012/main" name="Office Theme" id="{62F939B6-93AF-4DB8-9C6B-D6C7DFDC589F}" vid="{4A3C46E8-61CC-4603-A589-7422A47A8E4A}"/>
     </a:ext>
   </a:extLst>
 </a:theme>
